--- a/thesis/ukapp2/wqu_isc/sofware_design/Javabc03.pptx
+++ b/thesis/ukapp2/wqu_isc/sofware_design/Javabc03.pptx
@@ -18383,12 +18383,6 @@
 </file>
 
 <file path=customXml/item2.xml><?xml version="1.0" encoding="utf-8"?>
-<p:properties xmlns:p="http://schemas.microsoft.com/office/2006/metadata/properties" xmlns:xsi="http://www.w3.org/2001/XMLSchema-instance" xmlns:pc="http://schemas.microsoft.com/office/infopath/2007/PartnerControls">
-  <documentManagement/>
-</p:properties>
-</file>
-
-<file path=customXml/item3.xml><?xml version="1.0" encoding="utf-8"?>
 <ct:contentTypeSchema xmlns:ct="http://schemas.microsoft.com/office/2006/metadata/contentType" xmlns:ma="http://schemas.microsoft.com/office/2006/metadata/properties/metaAttributes" ct:_="" ma:_="" ma:contentTypeName="Document" ma:contentTypeID="0x010100062A1965C0ED8D4B93D90EC9097FB304" ma:contentTypeVersion="13" ma:contentTypeDescription="Create a new document." ma:contentTypeScope="" ma:versionID="ad8c00255a362f38b965062bb6973433">
   <xsd:schema xmlns:xsd="http://www.w3.org/2001/XMLSchema" xmlns:xs="http://www.w3.org/2001/XMLSchema" xmlns:p="http://schemas.microsoft.com/office/2006/metadata/properties" xmlns:ns3="cab83b3b-4db3-4a13-8dd4-e60be6d87cf5" xmlns:ns4="c2e86655-d7ed-4420-bc92-1b9547829f54" targetNamespace="http://schemas.microsoft.com/office/2006/metadata/properties" ma:root="true" ma:fieldsID="d47f86c9060cacabc5fb99b2dd628c7d" ns3:_="" ns4:_="">
     <xsd:import namespace="cab83b3b-4db3-4a13-8dd4-e60be6d87cf5"/>
@@ -18611,6 +18605,12 @@
 </ct:contentTypeSchema>
 </file>
 
+<file path=customXml/item3.xml><?xml version="1.0" encoding="utf-8"?>
+<p:properties xmlns:p="http://schemas.microsoft.com/office/2006/metadata/properties" xmlns:xsi="http://www.w3.org/2001/XMLSchema-instance" xmlns:pc="http://schemas.microsoft.com/office/infopath/2007/PartnerControls">
+  <documentManagement/>
+</p:properties>
+</file>
+
 <file path=customXml/itemProps1.xml><?xml version="1.0" encoding="utf-8"?>
 <ds:datastoreItem xmlns:ds="http://schemas.openxmlformats.org/officeDocument/2006/customXml" ds:itemID="{07A05CC1-FF68-453F-AE9C-352B80151440}">
   <ds:schemaRefs>
@@ -18620,23 +18620,6 @@
 </file>
 
 <file path=customXml/itemProps2.xml><?xml version="1.0" encoding="utf-8"?>
-<ds:datastoreItem xmlns:ds="http://schemas.openxmlformats.org/officeDocument/2006/customXml" ds:itemID="{1B174DBE-1AD7-495B-B168-212A7EE723A6}">
-  <ds:schemaRefs>
-    <ds:schemaRef ds:uri="c2e86655-d7ed-4420-bc92-1b9547829f54"/>
-    <ds:schemaRef ds:uri="http://schemas.microsoft.com/office/2006/metadata/properties"/>
-    <ds:schemaRef ds:uri="http://purl.org/dc/terms/"/>
-    <ds:schemaRef ds:uri="http://purl.org/dc/elements/1.1/"/>
-    <ds:schemaRef ds:uri="http://schemas.microsoft.com/office/2006/documentManagement/types"/>
-    <ds:schemaRef ds:uri="http://www.w3.org/XML/1998/namespace"/>
-    <ds:schemaRef ds:uri="http://purl.org/dc/dcmitype/"/>
-    <ds:schemaRef ds:uri="http://schemas.microsoft.com/office/infopath/2007/PartnerControls"/>
-    <ds:schemaRef ds:uri="http://schemas.openxmlformats.org/package/2006/metadata/core-properties"/>
-    <ds:schemaRef ds:uri="cab83b3b-4db3-4a13-8dd4-e60be6d87cf5"/>
-  </ds:schemaRefs>
-</ds:datastoreItem>
-</file>
-
-<file path=customXml/itemProps3.xml><?xml version="1.0" encoding="utf-8"?>
 <ds:datastoreItem xmlns:ds="http://schemas.openxmlformats.org/officeDocument/2006/customXml" ds:itemID="{03233C07-2685-44F7-9601-FF64EA49BA1B}">
   <ds:schemaRefs>
     <ds:schemaRef ds:uri="http://schemas.microsoft.com/office/2006/metadata/contentType"/>
@@ -18653,4 +18636,21 @@
     <ds:schemaRef ds:uri="http://schemas.microsoft.com/internal/obd"/>
   </ds:schemaRefs>
 </ds:datastoreItem>
+</file>
+
+<file path=customXml/itemProps3.xml><?xml version="1.0" encoding="utf-8"?>
+<ds:datastoreItem xmlns:ds="http://schemas.openxmlformats.org/officeDocument/2006/customXml" ds:itemID="{1B174DBE-1AD7-495B-B168-212A7EE723A6}">
+  <ds:schemaRefs>
+    <ds:schemaRef ds:uri="c2e86655-d7ed-4420-bc92-1b9547829f54"/>
+    <ds:schemaRef ds:uri="http://schemas.microsoft.com/office/2006/metadata/properties"/>
+    <ds:schemaRef ds:uri="http://purl.org/dc/terms/"/>
+    <ds:schemaRef ds:uri="http://purl.org/dc/elements/1.1/"/>
+    <ds:schemaRef ds:uri="http://schemas.microsoft.com/office/2006/documentManagement/types"/>
+    <ds:schemaRef ds:uri="http://www.w3.org/XML/1998/namespace"/>
+    <ds:schemaRef ds:uri="http://purl.org/dc/dcmitype/"/>
+    <ds:schemaRef ds:uri="http://schemas.microsoft.com/office/infopath/2007/PartnerControls"/>
+    <ds:schemaRef ds:uri="http://schemas.openxmlformats.org/package/2006/metadata/core-properties"/>
+    <ds:schemaRef ds:uri="cab83b3b-4db3-4a13-8dd4-e60be6d87cf5"/>
+  </ds:schemaRefs>
+</ds:datastoreItem>
 </file>
--- a/thesis/ukapp2/wqu_isc/sofware_design/Javabc03.pptx
+++ b/thesis/ukapp2/wqu_isc/sofware_design/Javabc03.pptx
@@ -231,7 +231,7 @@
           <a:p>
             <a:fld id="{2D17C26A-2D19-4E2A-9B61-80C5B9CBF214}" type="datetimeFigureOut">
               <a:rPr lang="en-GB" smtClean="0"/>
-              <a:t>20/10/2020</a:t>
+              <a:t>23/10/2020</a:t>
             </a:fld>
             <a:endParaRPr lang="en-GB"/>
           </a:p>
@@ -2457,7 +2457,7 @@
           <a:p>
             <a:fld id="{CD13FC2D-BEDB-45BE-AF82-649A39BEFF71}" type="datetimeFigureOut">
               <a:rPr lang="en-GB" smtClean="0"/>
-              <a:t>20/10/2020</a:t>
+              <a:t>23/10/2020</a:t>
             </a:fld>
             <a:endParaRPr lang="en-GB"/>
           </a:p>
@@ -2668,7 +2668,7 @@
           <a:p>
             <a:fld id="{CD13FC2D-BEDB-45BE-AF82-649A39BEFF71}" type="datetimeFigureOut">
               <a:rPr lang="en-GB" smtClean="0"/>
-              <a:t>20/10/2020</a:t>
+              <a:t>23/10/2020</a:t>
             </a:fld>
             <a:endParaRPr lang="en-GB"/>
           </a:p>
@@ -2927,7 +2927,7 @@
           <a:p>
             <a:fld id="{CD13FC2D-BEDB-45BE-AF82-649A39BEFF71}" type="datetimeFigureOut">
               <a:rPr lang="en-GB" smtClean="0"/>
-              <a:t>20/10/2020</a:t>
+              <a:t>23/10/2020</a:t>
             </a:fld>
             <a:endParaRPr lang="en-GB"/>
           </a:p>
@@ -3100,7 +3100,7 @@
           <a:p>
             <a:fld id="{CD13FC2D-BEDB-45BE-AF82-649A39BEFF71}" type="datetimeFigureOut">
               <a:rPr lang="en-GB" smtClean="0"/>
-              <a:t>20/10/2020</a:t>
+              <a:t>23/10/2020</a:t>
             </a:fld>
             <a:endParaRPr lang="en-GB"/>
           </a:p>
@@ -3446,7 +3446,7 @@
           <a:p>
             <a:fld id="{CD13FC2D-BEDB-45BE-AF82-649A39BEFF71}" type="datetimeFigureOut">
               <a:rPr lang="en-GB" smtClean="0"/>
-              <a:t>20/10/2020</a:t>
+              <a:t>23/10/2020</a:t>
             </a:fld>
             <a:endParaRPr lang="en-GB"/>
           </a:p>
@@ -3724,7 +3724,7 @@
           <a:p>
             <a:fld id="{CD13FC2D-BEDB-45BE-AF82-649A39BEFF71}" type="datetimeFigureOut">
               <a:rPr lang="en-GB" smtClean="0"/>
-              <a:t>20/10/2020</a:t>
+              <a:t>23/10/2020</a:t>
             </a:fld>
             <a:endParaRPr lang="en-GB"/>
           </a:p>
@@ -4106,7 +4106,7 @@
           <a:p>
             <a:fld id="{CD13FC2D-BEDB-45BE-AF82-649A39BEFF71}" type="datetimeFigureOut">
               <a:rPr lang="en-GB" smtClean="0"/>
-              <a:t>20/10/2020</a:t>
+              <a:t>23/10/2020</a:t>
             </a:fld>
             <a:endParaRPr lang="en-GB"/>
           </a:p>
@@ -4227,7 +4227,7 @@
           <a:p>
             <a:fld id="{CD13FC2D-BEDB-45BE-AF82-649A39BEFF71}" type="datetimeFigureOut">
               <a:rPr lang="en-GB" smtClean="0"/>
-              <a:t>20/10/2020</a:t>
+              <a:t>23/10/2020</a:t>
             </a:fld>
             <a:endParaRPr lang="en-GB"/>
           </a:p>
@@ -4401,7 +4401,7 @@
           <a:p>
             <a:fld id="{CD13FC2D-BEDB-45BE-AF82-649A39BEFF71}" type="datetimeFigureOut">
               <a:rPr lang="en-GB" smtClean="0"/>
-              <a:t>20/10/2020</a:t>
+              <a:t>23/10/2020</a:t>
             </a:fld>
             <a:endParaRPr lang="en-GB"/>
           </a:p>
@@ -4758,7 +4758,7 @@
           <a:p>
             <a:fld id="{CD13FC2D-BEDB-45BE-AF82-649A39BEFF71}" type="datetimeFigureOut">
               <a:rPr lang="en-GB" smtClean="0"/>
-              <a:t>20/10/2020</a:t>
+              <a:t>23/10/2020</a:t>
             </a:fld>
             <a:endParaRPr lang="en-GB"/>
           </a:p>
@@ -5143,7 +5143,7 @@
           <a:p>
             <a:fld id="{CD13FC2D-BEDB-45BE-AF82-649A39BEFF71}" type="datetimeFigureOut">
               <a:rPr lang="en-GB" smtClean="0"/>
-              <a:t>20/10/2020</a:t>
+              <a:t>23/10/2020</a:t>
             </a:fld>
             <a:endParaRPr lang="en-GB"/>
           </a:p>
@@ -5433,7 +5433,7 @@
           <a:p>
             <a:fld id="{CD13FC2D-BEDB-45BE-AF82-649A39BEFF71}" type="datetimeFigureOut">
               <a:rPr lang="en-GB" smtClean="0"/>
-              <a:t>20/10/2020</a:t>
+              <a:t>23/10/2020</a:t>
             </a:fld>
             <a:endParaRPr lang="en-GB"/>
           </a:p>
@@ -7033,7 +7033,7 @@
         <p:spPr bwMode="auto">
           <a:xfrm>
             <a:off x="3311525" y="1891129"/>
-            <a:ext cx="5572359" cy="4247317"/>
+            <a:ext cx="5639685" cy="4247317"/>
           </a:xfrm>
           <a:prstGeom prst="rect">
             <a:avLst/>
@@ -7093,7 +7093,7 @@
               <a:tabLst/>
             </a:pPr>
             <a:r>
-              <a:rPr kumimoji="0" lang="en-US" altLang="en-US" sz="1000" b="0" i="0" u="none" strike="noStrike" cap="none" normalizeH="0" baseline="0">
+              <a:rPr kumimoji="0" lang="en-US" altLang="en-US" sz="1000" b="0" i="0" u="none" strike="noStrike" cap="none" normalizeH="0" baseline="0" dirty="0">
                 <a:ln>
                   <a:noFill/>
                 </a:ln>
@@ -7106,7 +7106,7 @@
               <a:t>public class </a:t>
             </a:r>
             <a:r>
-              <a:rPr kumimoji="0" lang="en-US" altLang="en-US" sz="1000" b="0" i="0" u="none" strike="noStrike" cap="none" normalizeH="0" baseline="0">
+              <a:rPr kumimoji="0" lang="en-US" altLang="en-US" sz="1000" b="0" i="0" u="none" strike="noStrike" cap="none" normalizeH="0" baseline="0" dirty="0" err="1">
                 <a:ln>
                   <a:noFill/>
                 </a:ln>
@@ -7116,10 +7116,10 @@
                 <a:effectLst/>
                 <a:latin typeface="JetBrains Mono"/>
               </a:rPr>
-              <a:t>LoanCalc{</a:t>
-            </a:r>
-            <a:br>
-              <a:rPr kumimoji="0" lang="en-US" altLang="en-US" sz="1000" b="0" i="0" u="none" strike="noStrike" cap="none" normalizeH="0" baseline="0">
+              <a:t>LoanCalc</a:t>
+            </a:r>
+            <a:r>
+              <a:rPr kumimoji="0" lang="en-US" altLang="en-US" sz="1000" b="0" i="0" u="none" strike="noStrike" cap="none" normalizeH="0" baseline="0" dirty="0">
                 <a:ln>
                   <a:noFill/>
                 </a:ln>
@@ -7129,9 +7129,10 @@
                 <a:effectLst/>
                 <a:latin typeface="JetBrains Mono"/>
               </a:rPr>
-            </a:br>
+              <a:t>{</a:t>
+            </a:r>
             <a:br>
-              <a:rPr kumimoji="0" lang="en-US" altLang="en-US" sz="1000" b="0" i="0" u="none" strike="noStrike" cap="none" normalizeH="0" baseline="0">
+              <a:rPr kumimoji="0" lang="en-US" altLang="en-US" sz="1000" b="0" i="0" u="none" strike="noStrike" cap="none" normalizeH="0" baseline="0" dirty="0">
                 <a:ln>
                   <a:noFill/>
                 </a:ln>
@@ -7142,8 +7143,8 @@
                 <a:latin typeface="JetBrains Mono"/>
               </a:rPr>
             </a:br>
-            <a:r>
-              <a:rPr kumimoji="0" lang="en-US" altLang="en-US" sz="1000" b="0" i="0" u="none" strike="noStrike" cap="none" normalizeH="0" baseline="0">
+            <a:br>
+              <a:rPr kumimoji="0" lang="en-US" altLang="en-US" sz="1000" b="0" i="0" u="none" strike="noStrike" cap="none" normalizeH="0" baseline="0" dirty="0">
                 <a:ln>
                   <a:noFill/>
                 </a:ln>
@@ -7153,49 +7154,48 @@
                 <a:effectLst/>
                 <a:latin typeface="JetBrains Mono"/>
               </a:rPr>
-              <a:t>    </a:t>
-            </a:r>
-            <a:r>
-              <a:rPr kumimoji="0" lang="en-US" altLang="en-US" sz="1000" b="0" i="0" u="none" strike="noStrike" cap="none" normalizeH="0" baseline="0">
+            </a:br>
+            <a:r>
+              <a:rPr kumimoji="0" lang="en-US" altLang="en-US" sz="1000" b="0" i="0" u="none" strike="noStrike" cap="none" normalizeH="0" baseline="0" dirty="0">
                 <a:ln>
                   <a:noFill/>
                 </a:ln>
                 <a:solidFill>
-                  <a:srgbClr val="CC7832"/>
+                  <a:srgbClr val="A9B7C6"/>
                 </a:solidFill>
                 <a:effectLst/>
                 <a:latin typeface="JetBrains Mono"/>
               </a:rPr>
-              <a:t>private int </a:t>
-            </a:r>
-            <a:r>
-              <a:rPr kumimoji="0" lang="en-US" altLang="en-US" sz="1000" b="0" i="0" u="none" strike="noStrike" cap="none" normalizeH="0" baseline="0">
+              <a:t>    </a:t>
+            </a:r>
+            <a:r>
+              <a:rPr kumimoji="0" lang="en-US" altLang="en-US" sz="1000" b="0" i="0" u="none" strike="noStrike" cap="none" normalizeH="0" baseline="0" dirty="0">
                 <a:ln>
                   <a:noFill/>
                 </a:ln>
                 <a:solidFill>
-                  <a:srgbClr val="A9B7C6"/>
+                  <a:srgbClr val="CC7832"/>
                 </a:solidFill>
                 <a:effectLst/>
                 <a:latin typeface="JetBrains Mono"/>
               </a:rPr>
-              <a:t>yrs</a:t>
-            </a:r>
-            <a:r>
-              <a:rPr kumimoji="0" lang="en-US" altLang="en-US" sz="1000" b="0" i="0" u="none" strike="noStrike" cap="none" normalizeH="0" baseline="0">
+              <a:t>private int </a:t>
+            </a:r>
+            <a:r>
+              <a:rPr kumimoji="0" lang="en-US" altLang="en-US" sz="1000" b="0" i="0" u="none" strike="noStrike" cap="none" normalizeH="0" baseline="0" dirty="0" err="1">
                 <a:ln>
                   <a:noFill/>
                 </a:ln>
                 <a:solidFill>
-                  <a:srgbClr val="CC7832"/>
+                  <a:srgbClr val="A9B7C6"/>
                 </a:solidFill>
                 <a:effectLst/>
                 <a:latin typeface="JetBrains Mono"/>
               </a:rPr>
-              <a:t>;</a:t>
-            </a:r>
-            <a:br>
-              <a:rPr kumimoji="0" lang="en-US" altLang="en-US" sz="1000" b="0" i="0" u="none" strike="noStrike" cap="none" normalizeH="0" baseline="0">
+              <a:t>yrs</a:t>
+            </a:r>
+            <a:r>
+              <a:rPr kumimoji="0" lang="en-US" altLang="en-US" sz="1000" b="0" i="0" u="none" strike="noStrike" cap="none" normalizeH="0" baseline="0" dirty="0">
                 <a:ln>
                   <a:noFill/>
                 </a:ln>
@@ -7205,9 +7205,10 @@
                 <a:effectLst/>
                 <a:latin typeface="JetBrains Mono"/>
               </a:rPr>
-            </a:br>
-            <a:r>
-              <a:rPr kumimoji="0" lang="en-US" altLang="en-US" sz="1000" b="0" i="0" u="none" strike="noStrike" cap="none" normalizeH="0" baseline="0">
+              <a:t>;</a:t>
+            </a:r>
+            <a:br>
+              <a:rPr kumimoji="0" lang="en-US" altLang="en-US" sz="1000" b="0" i="0" u="none" strike="noStrike" cap="none" normalizeH="0" baseline="0" dirty="0">
                 <a:ln>
                   <a:noFill/>
                 </a:ln>
@@ -7217,36 +7218,35 @@
                 <a:effectLst/>
                 <a:latin typeface="JetBrains Mono"/>
               </a:rPr>
-              <a:t>    private double </a:t>
-            </a:r>
-            <a:r>
-              <a:rPr kumimoji="0" lang="en-US" altLang="en-US" sz="1000" b="0" i="0" u="none" strike="noStrike" cap="none" normalizeH="0" baseline="0">
+            </a:br>
+            <a:r>
+              <a:rPr kumimoji="0" lang="en-US" altLang="en-US" sz="1000" b="0" i="0" u="none" strike="noStrike" cap="none" normalizeH="0" baseline="0" dirty="0">
                 <a:ln>
                   <a:noFill/>
                 </a:ln>
                 <a:solidFill>
-                  <a:srgbClr val="A9B7C6"/>
+                  <a:srgbClr val="CC7832"/>
                 </a:solidFill>
                 <a:effectLst/>
                 <a:latin typeface="JetBrains Mono"/>
               </a:rPr>
-              <a:t>rate</a:t>
-            </a:r>
-            <a:r>
-              <a:rPr kumimoji="0" lang="en-US" altLang="en-US" sz="1000" b="0" i="0" u="none" strike="noStrike" cap="none" normalizeH="0" baseline="0">
+              <a:t>    private double </a:t>
+            </a:r>
+            <a:r>
+              <a:rPr kumimoji="0" lang="en-US" altLang="en-US" sz="1000" b="0" i="0" u="none" strike="noStrike" cap="none" normalizeH="0" baseline="0" dirty="0">
                 <a:ln>
                   <a:noFill/>
                 </a:ln>
                 <a:solidFill>
-                  <a:srgbClr val="CC7832"/>
+                  <a:srgbClr val="A9B7C6"/>
                 </a:solidFill>
                 <a:effectLst/>
                 <a:latin typeface="JetBrains Mono"/>
               </a:rPr>
-              <a:t>;</a:t>
-            </a:r>
-            <a:br>
-              <a:rPr kumimoji="0" lang="en-US" altLang="en-US" sz="1000" b="0" i="0" u="none" strike="noStrike" cap="none" normalizeH="0" baseline="0">
+              <a:t>rate</a:t>
+            </a:r>
+            <a:r>
+              <a:rPr kumimoji="0" lang="en-US" altLang="en-US" sz="1000" b="0" i="0" u="none" strike="noStrike" cap="none" normalizeH="0" baseline="0" dirty="0">
                 <a:ln>
                   <a:noFill/>
                 </a:ln>
@@ -7256,9 +7256,10 @@
                 <a:effectLst/>
                 <a:latin typeface="JetBrains Mono"/>
               </a:rPr>
-            </a:br>
-            <a:r>
-              <a:rPr kumimoji="0" lang="en-US" altLang="en-US" sz="1000" b="0" i="0" u="none" strike="noStrike" cap="none" normalizeH="0" baseline="0">
+              <a:t>;</a:t>
+            </a:r>
+            <a:br>
+              <a:rPr kumimoji="0" lang="en-US" altLang="en-US" sz="1000" b="0" i="0" u="none" strike="noStrike" cap="none" normalizeH="0" baseline="0" dirty="0">
                 <a:ln>
                   <a:noFill/>
                 </a:ln>
@@ -7268,36 +7269,35 @@
                 <a:effectLst/>
                 <a:latin typeface="JetBrains Mono"/>
               </a:rPr>
-              <a:t>    private double </a:t>
-            </a:r>
-            <a:r>
-              <a:rPr kumimoji="0" lang="en-US" altLang="en-US" sz="1000" b="0" i="0" u="none" strike="noStrike" cap="none" normalizeH="0" baseline="0">
+            </a:br>
+            <a:r>
+              <a:rPr kumimoji="0" lang="en-US" altLang="en-US" sz="1000" b="0" i="0" u="none" strike="noStrike" cap="none" normalizeH="0" baseline="0" dirty="0">
                 <a:ln>
                   <a:noFill/>
                 </a:ln>
                 <a:solidFill>
-                  <a:srgbClr val="A9B7C6"/>
+                  <a:srgbClr val="CC7832"/>
                 </a:solidFill>
                 <a:effectLst/>
                 <a:latin typeface="JetBrains Mono"/>
               </a:rPr>
-              <a:t>amount</a:t>
-            </a:r>
-            <a:r>
-              <a:rPr kumimoji="0" lang="en-US" altLang="en-US" sz="1000" b="0" i="0" u="none" strike="noStrike" cap="none" normalizeH="0" baseline="0">
+              <a:t>    private double </a:t>
+            </a:r>
+            <a:r>
+              <a:rPr kumimoji="0" lang="en-US" altLang="en-US" sz="1000" b="0" i="0" u="none" strike="noStrike" cap="none" normalizeH="0" baseline="0" dirty="0">
                 <a:ln>
                   <a:noFill/>
                 </a:ln>
                 <a:solidFill>
-                  <a:srgbClr val="CC7832"/>
+                  <a:srgbClr val="A9B7C6"/>
                 </a:solidFill>
                 <a:effectLst/>
                 <a:latin typeface="JetBrains Mono"/>
               </a:rPr>
-              <a:t>;</a:t>
-            </a:r>
-            <a:br>
-              <a:rPr kumimoji="0" lang="en-US" altLang="en-US" sz="1000" b="0" i="0" u="none" strike="noStrike" cap="none" normalizeH="0" baseline="0">
+              <a:t>amount</a:t>
+            </a:r>
+            <a:r>
+              <a:rPr kumimoji="0" lang="en-US" altLang="en-US" sz="1000" b="0" i="0" u="none" strike="noStrike" cap="none" normalizeH="0" baseline="0" dirty="0">
                 <a:ln>
                   <a:noFill/>
                 </a:ln>
@@ -7307,9 +7307,10 @@
                 <a:effectLst/>
                 <a:latin typeface="JetBrains Mono"/>
               </a:rPr>
-            </a:br>
-            <a:r>
-              <a:rPr kumimoji="0" lang="en-US" altLang="en-US" sz="1000" b="0" i="0" u="none" strike="noStrike" cap="none" normalizeH="0" baseline="0">
+              <a:t>;</a:t>
+            </a:r>
+            <a:br>
+              <a:rPr kumimoji="0" lang="en-US" altLang="en-US" sz="1000" b="0" i="0" u="none" strike="noStrike" cap="none" normalizeH="0" baseline="0" dirty="0">
                 <a:ln>
                   <a:noFill/>
                 </a:ln>
@@ -7319,10 +7320,9 @@
                 <a:effectLst/>
                 <a:latin typeface="JetBrains Mono"/>
               </a:rPr>
-              <a:t>    </a:t>
-            </a:r>
-            <a:br>
-              <a:rPr kumimoji="0" lang="en-US" altLang="en-US" sz="1000" b="0" i="0" u="none" strike="noStrike" cap="none" normalizeH="0" baseline="0">
+            </a:br>
+            <a:r>
+              <a:rPr kumimoji="0" lang="en-US" altLang="en-US" sz="1000" b="0" i="0" u="none" strike="noStrike" cap="none" normalizeH="0" baseline="0" dirty="0">
                 <a:ln>
                   <a:noFill/>
                 </a:ln>
@@ -7332,9 +7332,10 @@
                 <a:effectLst/>
                 <a:latin typeface="JetBrains Mono"/>
               </a:rPr>
-            </a:br>
-            <a:r>
-              <a:rPr kumimoji="0" lang="en-US" altLang="en-US" sz="1000" b="0" i="0" u="none" strike="noStrike" cap="none" normalizeH="0" baseline="0">
+              <a:t>    </a:t>
+            </a:r>
+            <a:br>
+              <a:rPr kumimoji="0" lang="en-US" altLang="en-US" sz="1000" b="0" i="0" u="none" strike="noStrike" cap="none" normalizeH="0" baseline="0" dirty="0">
                 <a:ln>
                   <a:noFill/>
                 </a:ln>
@@ -7344,36 +7345,35 @@
                 <a:effectLst/>
                 <a:latin typeface="JetBrains Mono"/>
               </a:rPr>
-              <a:t>    public </a:t>
-            </a:r>
-            <a:r>
-              <a:rPr kumimoji="0" lang="en-US" altLang="en-US" sz="1000" b="0" i="0" u="none" strike="noStrike" cap="none" normalizeH="0" baseline="0">
+            </a:br>
+            <a:r>
+              <a:rPr kumimoji="0" lang="en-US" altLang="en-US" sz="1000" b="0" i="0" u="none" strike="noStrike" cap="none" normalizeH="0" baseline="0" dirty="0">
                 <a:ln>
                   <a:noFill/>
                 </a:ln>
                 <a:solidFill>
-                  <a:srgbClr val="A9B7C6"/>
+                  <a:srgbClr val="CC7832"/>
                 </a:solidFill>
                 <a:effectLst/>
                 <a:latin typeface="JetBrains Mono"/>
               </a:rPr>
-              <a:t>LoanCalc(</a:t>
-            </a:r>
-            <a:r>
-              <a:rPr kumimoji="0" lang="en-US" altLang="en-US" sz="1000" b="0" i="0" u="none" strike="noStrike" cap="none" normalizeH="0" baseline="0">
+              <a:t>    public </a:t>
+            </a:r>
+            <a:r>
+              <a:rPr kumimoji="0" lang="en-US" altLang="en-US" sz="1000" b="0" i="0" u="none" strike="noStrike" cap="none" normalizeH="0" baseline="0" dirty="0" err="1">
                 <a:ln>
                   <a:noFill/>
                 </a:ln>
                 <a:solidFill>
-                  <a:srgbClr val="CC7832"/>
+                  <a:srgbClr val="A9B7C6"/>
                 </a:solidFill>
                 <a:effectLst/>
                 <a:latin typeface="JetBrains Mono"/>
               </a:rPr>
-              <a:t>int </a:t>
-            </a:r>
-            <a:r>
-              <a:rPr kumimoji="0" lang="en-US" altLang="en-US" sz="1000" b="0" i="0" u="none" strike="noStrike" cap="none" normalizeH="0" baseline="0">
+              <a:t>LoanCalc</a:t>
+            </a:r>
+            <a:r>
+              <a:rPr kumimoji="0" lang="en-US" altLang="en-US" sz="1000" b="0" i="0" u="none" strike="noStrike" cap="none" normalizeH="0" baseline="0" dirty="0">
                 <a:ln>
                   <a:noFill/>
                 </a:ln>
@@ -7383,10 +7383,10 @@
                 <a:effectLst/>
                 <a:latin typeface="JetBrains Mono"/>
               </a:rPr>
-              <a:t>y</a:t>
-            </a:r>
-            <a:r>
-              <a:rPr kumimoji="0" lang="en-US" altLang="en-US" sz="1000" b="0" i="0" u="none" strike="noStrike" cap="none" normalizeH="0" baseline="0">
+              <a:t>(</a:t>
+            </a:r>
+            <a:r>
+              <a:rPr kumimoji="0" lang="en-US" altLang="en-US" sz="1000" b="0" i="0" u="none" strike="noStrike" cap="none" normalizeH="0" baseline="0" dirty="0">
                 <a:ln>
                   <a:noFill/>
                 </a:ln>
@@ -7396,10 +7396,10 @@
                 <a:effectLst/>
                 <a:latin typeface="JetBrains Mono"/>
               </a:rPr>
-              <a:t>,double </a:t>
-            </a:r>
-            <a:r>
-              <a:rPr kumimoji="0" lang="en-US" altLang="en-US" sz="1000" b="0" i="0" u="none" strike="noStrike" cap="none" normalizeH="0" baseline="0">
+              <a:t>int </a:t>
+            </a:r>
+            <a:r>
+              <a:rPr kumimoji="0" lang="en-US" altLang="en-US" sz="1000" b="0" i="0" u="none" strike="noStrike" cap="none" normalizeH="0" baseline="0" dirty="0" err="1">
                 <a:ln>
                   <a:noFill/>
                 </a:ln>
@@ -7409,10 +7409,10 @@
                 <a:effectLst/>
                 <a:latin typeface="JetBrains Mono"/>
               </a:rPr>
-              <a:t>r</a:t>
-            </a:r>
-            <a:r>
-              <a:rPr kumimoji="0" lang="en-US" altLang="en-US" sz="1000" b="0" i="0" u="none" strike="noStrike" cap="none" normalizeH="0" baseline="0">
+              <a:t>y</a:t>
+            </a:r>
+            <a:r>
+              <a:rPr kumimoji="0" lang="en-US" altLang="en-US" sz="1000" b="0" i="0" u="none" strike="noStrike" cap="none" normalizeH="0" baseline="0" dirty="0" err="1">
                 <a:ln>
                   <a:noFill/>
                 </a:ln>
@@ -7422,23 +7422,23 @@
                 <a:effectLst/>
                 <a:latin typeface="JetBrains Mono"/>
               </a:rPr>
-              <a:t>, double </a:t>
-            </a:r>
-            <a:r>
-              <a:rPr kumimoji="0" lang="en-US" altLang="en-US" sz="1000" b="0" i="0" u="none" strike="noStrike" cap="none" normalizeH="0" baseline="0">
+              <a:t>,double</a:t>
+            </a:r>
+            <a:r>
+              <a:rPr kumimoji="0" lang="en-US" altLang="en-US" sz="1000" b="0" i="0" u="none" strike="noStrike" cap="none" normalizeH="0" baseline="0" dirty="0">
                 <a:ln>
                   <a:noFill/>
                 </a:ln>
                 <a:solidFill>
-                  <a:srgbClr val="A9B7C6"/>
+                  <a:srgbClr val="CC7832"/>
                 </a:solidFill>
                 <a:effectLst/>
                 <a:latin typeface="JetBrains Mono"/>
               </a:rPr>
-              <a:t>a){</a:t>
-            </a:r>
-            <a:br>
-              <a:rPr kumimoji="0" lang="en-US" altLang="en-US" sz="1000" b="0" i="0" u="none" strike="noStrike" cap="none" normalizeH="0" baseline="0">
+              <a:t> </a:t>
+            </a:r>
+            <a:r>
+              <a:rPr kumimoji="0" lang="en-US" altLang="en-US" sz="1000" b="0" i="0" u="none" strike="noStrike" cap="none" normalizeH="0" baseline="0" dirty="0">
                 <a:ln>
                   <a:noFill/>
                 </a:ln>
@@ -7448,35 +7448,36 @@
                 <a:effectLst/>
                 <a:latin typeface="JetBrains Mono"/>
               </a:rPr>
-            </a:br>
-            <a:r>
-              <a:rPr kumimoji="0" lang="en-US" altLang="en-US" sz="1000" b="0" i="0" u="none" strike="noStrike" cap="none" normalizeH="0" baseline="0">
+              <a:t>r</a:t>
+            </a:r>
+            <a:r>
+              <a:rPr kumimoji="0" lang="en-US" altLang="en-US" sz="1000" b="0" i="0" u="none" strike="noStrike" cap="none" normalizeH="0" baseline="0" dirty="0">
                 <a:ln>
                   <a:noFill/>
                 </a:ln>
                 <a:solidFill>
-                  <a:srgbClr val="A9B7C6"/>
+                  <a:srgbClr val="CC7832"/>
                 </a:solidFill>
                 <a:effectLst/>
                 <a:latin typeface="JetBrains Mono"/>
               </a:rPr>
-              <a:t>      </a:t>
-            </a:r>
-            <a:r>
-              <a:rPr kumimoji="0" lang="en-US" altLang="en-US" sz="1000" b="0" i="0" u="none" strike="noStrike" cap="none" normalizeH="0" baseline="0">
+              <a:t>, double </a:t>
+            </a:r>
+            <a:r>
+              <a:rPr kumimoji="0" lang="en-US" altLang="en-US" sz="1000" b="0" i="0" u="none" strike="noStrike" cap="none" normalizeH="0" baseline="0" dirty="0">
                 <a:ln>
                   <a:noFill/>
                 </a:ln>
                 <a:solidFill>
-                  <a:srgbClr val="CC7832"/>
+                  <a:srgbClr val="A9B7C6"/>
                 </a:solidFill>
                 <a:effectLst/>
                 <a:latin typeface="JetBrains Mono"/>
               </a:rPr>
-              <a:t>this</a:t>
-            </a:r>
-            <a:r>
-              <a:rPr kumimoji="0" lang="en-US" altLang="en-US" sz="1000" b="0" i="0" u="none" strike="noStrike" cap="none" normalizeH="0" baseline="0">
+              <a:t>a){</a:t>
+            </a:r>
+            <a:br>
+              <a:rPr kumimoji="0" lang="en-US" altLang="en-US" sz="1000" b="0" i="0" u="none" strike="noStrike" cap="none" normalizeH="0" baseline="0" dirty="0">
                 <a:ln>
                   <a:noFill/>
                 </a:ln>
@@ -7486,23 +7487,22 @@
                 <a:effectLst/>
                 <a:latin typeface="JetBrains Mono"/>
               </a:rPr>
-              <a:t>.rate=r</a:t>
-            </a:r>
-            <a:r>
-              <a:rPr kumimoji="0" lang="en-US" altLang="en-US" sz="1000" b="0" i="0" u="none" strike="noStrike" cap="none" normalizeH="0" baseline="0">
+            </a:br>
+            <a:r>
+              <a:rPr kumimoji="0" lang="en-US" altLang="en-US" sz="1000" b="0" i="0" u="none" strike="noStrike" cap="none" normalizeH="0" baseline="0" dirty="0">
                 <a:ln>
                   <a:noFill/>
                 </a:ln>
                 <a:solidFill>
-                  <a:srgbClr val="CC7832"/>
+                  <a:srgbClr val="A9B7C6"/>
                 </a:solidFill>
                 <a:effectLst/>
                 <a:latin typeface="JetBrains Mono"/>
               </a:rPr>
-              <a:t>;</a:t>
-            </a:r>
-            <a:br>
-              <a:rPr kumimoji="0" lang="en-US" altLang="en-US" sz="1000" b="0" i="0" u="none" strike="noStrike" cap="none" normalizeH="0" baseline="0">
+              <a:t>      </a:t>
+            </a:r>
+            <a:r>
+              <a:rPr kumimoji="0" lang="en-US" altLang="en-US" sz="1000" b="0" i="0" u="none" strike="noStrike" cap="none" normalizeH="0" baseline="0" dirty="0" err="1">
                 <a:ln>
                   <a:noFill/>
                 </a:ln>
@@ -7512,22 +7512,23 @@
                 <a:effectLst/>
                 <a:latin typeface="JetBrains Mono"/>
               </a:rPr>
-            </a:br>
-            <a:r>
-              <a:rPr kumimoji="0" lang="en-US" altLang="en-US" sz="1000" b="0" i="0" u="none" strike="noStrike" cap="none" normalizeH="0" baseline="0">
+              <a:t>this</a:t>
+            </a:r>
+            <a:r>
+              <a:rPr kumimoji="0" lang="en-US" altLang="en-US" sz="1000" b="0" i="0" u="none" strike="noStrike" cap="none" normalizeH="0" baseline="0" dirty="0" err="1">
                 <a:ln>
                   <a:noFill/>
                 </a:ln>
                 <a:solidFill>
-                  <a:srgbClr val="CC7832"/>
+                  <a:srgbClr val="A9B7C6"/>
                 </a:solidFill>
                 <a:effectLst/>
                 <a:latin typeface="JetBrains Mono"/>
               </a:rPr>
-              <a:t>      this</a:t>
-            </a:r>
-            <a:r>
-              <a:rPr kumimoji="0" lang="en-US" altLang="en-US" sz="1000" b="0" i="0" u="none" strike="noStrike" cap="none" normalizeH="0" baseline="0">
+              <a:t>.rate</a:t>
+            </a:r>
+            <a:r>
+              <a:rPr kumimoji="0" lang="en-US" altLang="en-US" sz="1000" b="0" i="0" u="none" strike="noStrike" cap="none" normalizeH="0" baseline="0" dirty="0">
                 <a:ln>
                   <a:noFill/>
                 </a:ln>
@@ -7537,10 +7538,10 @@
                 <a:effectLst/>
                 <a:latin typeface="JetBrains Mono"/>
               </a:rPr>
-              <a:t>.amount=a</a:t>
-            </a:r>
-            <a:r>
-              <a:rPr kumimoji="0" lang="en-US" altLang="en-US" sz="1000" b="0" i="0" u="none" strike="noStrike" cap="none" normalizeH="0" baseline="0">
+              <a:t>=r</a:t>
+            </a:r>
+            <a:r>
+              <a:rPr kumimoji="0" lang="en-US" altLang="en-US" sz="1000" b="0" i="0" u="none" strike="noStrike" cap="none" normalizeH="0" baseline="0" dirty="0">
                 <a:ln>
                   <a:noFill/>
                 </a:ln>
@@ -7553,7 +7554,7 @@
               <a:t>;</a:t>
             </a:r>
             <a:br>
-              <a:rPr kumimoji="0" lang="en-US" altLang="en-US" sz="1000" b="0" i="0" u="none" strike="noStrike" cap="none" normalizeH="0" baseline="0">
+              <a:rPr kumimoji="0" lang="en-US" altLang="en-US" sz="1000" b="0" i="0" u="none" strike="noStrike" cap="none" normalizeH="0" baseline="0" dirty="0">
                 <a:ln>
                   <a:noFill/>
                 </a:ln>
@@ -7565,7 +7566,7 @@
               </a:rPr>
             </a:br>
             <a:r>
-              <a:rPr kumimoji="0" lang="en-US" altLang="en-US" sz="1000" b="0" i="0" u="none" strike="noStrike" cap="none" normalizeH="0" baseline="0">
+              <a:rPr kumimoji="0" lang="en-US" altLang="en-US" sz="1000" b="0" i="0" u="none" strike="noStrike" cap="none" normalizeH="0" baseline="0" dirty="0">
                 <a:ln>
                   <a:noFill/>
                 </a:ln>
@@ -7575,48 +7576,49 @@
                 <a:effectLst/>
                 <a:latin typeface="JetBrains Mono"/>
               </a:rPr>
-              <a:t>      this</a:t>
-            </a:r>
-            <a:r>
-              <a:rPr kumimoji="0" lang="en-US" altLang="en-US" sz="1000" b="0" i="0" u="none" strike="noStrike" cap="none" normalizeH="0" baseline="0">
+              <a:t>      </a:t>
+            </a:r>
+            <a:r>
+              <a:rPr kumimoji="0" lang="en-US" altLang="en-US" sz="1000" b="0" i="0" u="none" strike="noStrike" cap="none" normalizeH="0" baseline="0" dirty="0" err="1">
                 <a:ln>
                   <a:noFill/>
                 </a:ln>
                 <a:solidFill>
-                  <a:srgbClr val="A9B7C6"/>
+                  <a:srgbClr val="CC7832"/>
                 </a:solidFill>
                 <a:effectLst/>
                 <a:latin typeface="JetBrains Mono"/>
               </a:rPr>
-              <a:t>.yrs=y</a:t>
-            </a:r>
-            <a:r>
-              <a:rPr kumimoji="0" lang="en-US" altLang="en-US" sz="1000" b="0" i="0" u="none" strike="noStrike" cap="none" normalizeH="0" baseline="0">
+              <a:t>this</a:t>
+            </a:r>
+            <a:r>
+              <a:rPr kumimoji="0" lang="en-US" altLang="en-US" sz="1000" b="0" i="0" u="none" strike="noStrike" cap="none" normalizeH="0" baseline="0" dirty="0" err="1">
                 <a:ln>
                   <a:noFill/>
                 </a:ln>
                 <a:solidFill>
-                  <a:srgbClr val="CC7832"/>
+                  <a:srgbClr val="A9B7C6"/>
                 </a:solidFill>
                 <a:effectLst/>
                 <a:latin typeface="JetBrains Mono"/>
               </a:rPr>
-              <a:t>;</a:t>
-            </a:r>
-            <a:br>
-              <a:rPr kumimoji="0" lang="en-US" altLang="en-US" sz="1000" b="0" i="0" u="none" strike="noStrike" cap="none" normalizeH="0" baseline="0">
+              <a:t>.amount</a:t>
+            </a:r>
+            <a:r>
+              <a:rPr kumimoji="0" lang="en-US" altLang="en-US" sz="1000" b="0" i="0" u="none" strike="noStrike" cap="none" normalizeH="0" baseline="0" dirty="0">
                 <a:ln>
                   <a:noFill/>
                 </a:ln>
                 <a:solidFill>
-                  <a:srgbClr val="CC7832"/>
+                  <a:srgbClr val="A9B7C6"/>
                 </a:solidFill>
                 <a:effectLst/>
                 <a:latin typeface="JetBrains Mono"/>
               </a:rPr>
-            </a:br>
-            <a:r>
-              <a:rPr kumimoji="0" lang="en-US" altLang="en-US" sz="1000" b="0" i="0" u="none" strike="noStrike" cap="none" normalizeH="0" baseline="0">
+              <a:t>=a</a:t>
+            </a:r>
+            <a:r>
+              <a:rPr kumimoji="0" lang="en-US" altLang="en-US" sz="1000" b="0" i="0" u="none" strike="noStrike" cap="none" normalizeH="0" baseline="0" dirty="0">
                 <a:ln>
                   <a:noFill/>
                 </a:ln>
@@ -7626,47 +7628,48 @@
                 <a:effectLst/>
                 <a:latin typeface="JetBrains Mono"/>
               </a:rPr>
-              <a:t>    </a:t>
-            </a:r>
-            <a:r>
-              <a:rPr kumimoji="0" lang="en-US" altLang="en-US" sz="1000" b="0" i="0" u="none" strike="noStrike" cap="none" normalizeH="0" baseline="0">
+              <a:t>;</a:t>
+            </a:r>
+            <a:br>
+              <a:rPr kumimoji="0" lang="en-US" altLang="en-US" sz="1000" b="0" i="0" u="none" strike="noStrike" cap="none" normalizeH="0" baseline="0" dirty="0">
                 <a:ln>
                   <a:noFill/>
                 </a:ln>
                 <a:solidFill>
-                  <a:srgbClr val="A9B7C6"/>
+                  <a:srgbClr val="CC7832"/>
                 </a:solidFill>
                 <a:effectLst/>
                 <a:latin typeface="JetBrains Mono"/>
               </a:rPr>
-              <a:t>}</a:t>
-            </a:r>
-            <a:br>
-              <a:rPr kumimoji="0" lang="en-US" altLang="en-US" sz="1000" b="0" i="0" u="none" strike="noStrike" cap="none" normalizeH="0" baseline="0">
+            </a:br>
+            <a:r>
+              <a:rPr kumimoji="0" lang="en-US" altLang="en-US" sz="1000" b="0" i="0" u="none" strike="noStrike" cap="none" normalizeH="0" baseline="0" dirty="0">
                 <a:ln>
                   <a:noFill/>
                 </a:ln>
                 <a:solidFill>
-                  <a:srgbClr val="A9B7C6"/>
+                  <a:srgbClr val="CC7832"/>
                 </a:solidFill>
                 <a:effectLst/>
                 <a:latin typeface="JetBrains Mono"/>
               </a:rPr>
-            </a:br>
-            <a:br>
-              <a:rPr kumimoji="0" lang="en-US" altLang="en-US" sz="1000" b="0" i="0" u="none" strike="noStrike" cap="none" normalizeH="0" baseline="0">
+              <a:t>      </a:t>
+            </a:r>
+            <a:r>
+              <a:rPr kumimoji="0" lang="en-US" altLang="en-US" sz="1000" b="0" i="0" u="none" strike="noStrike" cap="none" normalizeH="0" baseline="0" dirty="0" err="1">
                 <a:ln>
                   <a:noFill/>
                 </a:ln>
                 <a:solidFill>
-                  <a:srgbClr val="A9B7C6"/>
+                  <a:srgbClr val="CC7832"/>
                 </a:solidFill>
                 <a:effectLst/>
                 <a:latin typeface="JetBrains Mono"/>
               </a:rPr>
-            </a:br>
-            <a:r>
-              <a:rPr kumimoji="0" lang="en-US" altLang="en-US" sz="1000" b="0" i="0" u="none" strike="noStrike" cap="none" normalizeH="0" baseline="0">
+              <a:t>this</a:t>
+            </a:r>
+            <a:r>
+              <a:rPr kumimoji="0" lang="en-US" altLang="en-US" sz="1000" b="0" i="0" u="none" strike="noStrike" cap="none" normalizeH="0" baseline="0" dirty="0" err="1">
                 <a:ln>
                   <a:noFill/>
                 </a:ln>
@@ -7676,74 +7679,74 @@
                 <a:effectLst/>
                 <a:latin typeface="JetBrains Mono"/>
               </a:rPr>
-              <a:t>    </a:t>
-            </a:r>
-            <a:r>
-              <a:rPr kumimoji="0" lang="en-US" altLang="en-US" sz="1000" b="0" i="0" u="none" strike="noStrike" cap="none" normalizeH="0" baseline="0">
+              <a:t>.yrs</a:t>
+            </a:r>
+            <a:r>
+              <a:rPr kumimoji="0" lang="en-US" altLang="en-US" sz="1000" b="0" i="0" u="none" strike="noStrike" cap="none" normalizeH="0" baseline="0" dirty="0">
                 <a:ln>
                   <a:noFill/>
                 </a:ln>
                 <a:solidFill>
-                  <a:srgbClr val="CC7832"/>
+                  <a:srgbClr val="A9B7C6"/>
                 </a:solidFill>
                 <a:effectLst/>
                 <a:latin typeface="JetBrains Mono"/>
               </a:rPr>
-              <a:t>public double </a:t>
-            </a:r>
-            <a:r>
-              <a:rPr kumimoji="0" lang="en-US" altLang="en-US" sz="1000" b="0" i="0" u="none" strike="noStrike" cap="none" normalizeH="0" baseline="0">
+              <a:t>=y</a:t>
+            </a:r>
+            <a:r>
+              <a:rPr kumimoji="0" lang="en-US" altLang="en-US" sz="1000" b="0" i="0" u="none" strike="noStrike" cap="none" normalizeH="0" baseline="0" dirty="0">
                 <a:ln>
                   <a:noFill/>
                 </a:ln>
                 <a:solidFill>
-                  <a:srgbClr val="A9B7C6"/>
+                  <a:srgbClr val="CC7832"/>
                 </a:solidFill>
                 <a:effectLst/>
                 <a:latin typeface="JetBrains Mono"/>
               </a:rPr>
-              <a:t>ammortize() {</a:t>
+              <a:t>;</a:t>
             </a:r>
             <a:br>
-              <a:rPr kumimoji="0" lang="en-US" altLang="en-US" sz="1000" b="0" i="0" u="none" strike="noStrike" cap="none" normalizeH="0" baseline="0">
+              <a:rPr kumimoji="0" lang="en-US" altLang="en-US" sz="1000" b="0" i="0" u="none" strike="noStrike" cap="none" normalizeH="0" baseline="0" dirty="0">
                 <a:ln>
                   <a:noFill/>
                 </a:ln>
                 <a:solidFill>
-                  <a:srgbClr val="A9B7C6"/>
+                  <a:srgbClr val="CC7832"/>
                 </a:solidFill>
                 <a:effectLst/>
                 <a:latin typeface="JetBrains Mono"/>
               </a:rPr>
             </a:br>
             <a:r>
-              <a:rPr kumimoji="0" lang="en-US" altLang="en-US" sz="1000" b="0" i="0" u="none" strike="noStrike" cap="none" normalizeH="0" baseline="0">
+              <a:rPr kumimoji="0" lang="en-US" altLang="en-US" sz="1000" b="0" i="0" u="none" strike="noStrike" cap="none" normalizeH="0" baseline="0" dirty="0">
                 <a:ln>
                   <a:noFill/>
                 </a:ln>
                 <a:solidFill>
-                  <a:srgbClr val="A9B7C6"/>
+                  <a:srgbClr val="CC7832"/>
                 </a:solidFill>
                 <a:effectLst/>
                 <a:latin typeface="JetBrains Mono"/>
               </a:rPr>
-              <a:t>        </a:t>
-            </a:r>
-            <a:r>
-              <a:rPr kumimoji="0" lang="en-US" altLang="en-US" sz="1000" b="0" i="0" u="none" strike="noStrike" cap="none" normalizeH="0" baseline="0">
+              <a:t>    </a:t>
+            </a:r>
+            <a:r>
+              <a:rPr kumimoji="0" lang="en-US" altLang="en-US" sz="1000" b="0" i="0" u="none" strike="noStrike" cap="none" normalizeH="0" baseline="0" dirty="0">
                 <a:ln>
                   <a:noFill/>
                 </a:ln>
                 <a:solidFill>
-                  <a:srgbClr val="CC7832"/>
+                  <a:srgbClr val="A9B7C6"/>
                 </a:solidFill>
                 <a:effectLst/>
                 <a:latin typeface="JetBrains Mono"/>
               </a:rPr>
-              <a:t>double </a:t>
-            </a:r>
-            <a:r>
-              <a:rPr kumimoji="0" lang="en-US" altLang="en-US" sz="1000" b="0" i="0" u="none" strike="noStrike" cap="none" normalizeH="0" baseline="0">
+              <a:t>}</a:t>
+            </a:r>
+            <a:br>
+              <a:rPr kumimoji="0" lang="en-US" altLang="en-US" sz="1000" b="0" i="0" u="none" strike="noStrike" cap="none" normalizeH="0" baseline="0" dirty="0">
                 <a:ln>
                   <a:noFill/>
                 </a:ln>
@@ -7753,23 +7756,21 @@
                 <a:effectLst/>
                 <a:latin typeface="JetBrains Mono"/>
               </a:rPr>
-              <a:t>r=rate/(</a:t>
-            </a:r>
-            <a:r>
-              <a:rPr kumimoji="0" lang="en-US" altLang="en-US" sz="1000" b="0" i="0" u="none" strike="noStrike" cap="none" normalizeH="0" baseline="0">
+            </a:br>
+            <a:br>
+              <a:rPr kumimoji="0" lang="en-US" altLang="en-US" sz="1000" b="0" i="0" u="none" strike="noStrike" cap="none" normalizeH="0" baseline="0" dirty="0">
                 <a:ln>
                   <a:noFill/>
                 </a:ln>
                 <a:solidFill>
-                  <a:srgbClr val="6897BB"/>
+                  <a:srgbClr val="A9B7C6"/>
                 </a:solidFill>
                 <a:effectLst/>
                 <a:latin typeface="JetBrains Mono"/>
               </a:rPr>
-              <a:t>100</a:t>
-            </a:r>
-            <a:r>
-              <a:rPr kumimoji="0" lang="en-US" altLang="en-US" sz="1000" b="0" i="0" u="none" strike="noStrike" cap="none" normalizeH="0" baseline="0">
+            </a:br>
+            <a:r>
+              <a:rPr kumimoji="0" lang="en-US" altLang="en-US" sz="1000" b="0" i="0" u="none" strike="noStrike" cap="none" normalizeH="0" baseline="0" dirty="0">
                 <a:ln>
                   <a:noFill/>
                 </a:ln>
@@ -7779,23 +7780,23 @@
                 <a:effectLst/>
                 <a:latin typeface="JetBrains Mono"/>
               </a:rPr>
-              <a:t>*</a:t>
-            </a:r>
-            <a:r>
-              <a:rPr kumimoji="0" lang="en-US" altLang="en-US" sz="1000" b="0" i="0" u="none" strike="noStrike" cap="none" normalizeH="0" baseline="0">
+              <a:t>    </a:t>
+            </a:r>
+            <a:r>
+              <a:rPr kumimoji="0" lang="en-US" altLang="en-US" sz="1000" b="0" i="0" u="none" strike="noStrike" cap="none" normalizeH="0" baseline="0" dirty="0">
                 <a:ln>
                   <a:noFill/>
                 </a:ln>
                 <a:solidFill>
-                  <a:srgbClr val="6897BB"/>
+                  <a:srgbClr val="CC7832"/>
                 </a:solidFill>
                 <a:effectLst/>
                 <a:latin typeface="JetBrains Mono"/>
               </a:rPr>
-              <a:t>12</a:t>
-            </a:r>
-            <a:r>
-              <a:rPr kumimoji="0" lang="en-US" altLang="en-US" sz="1000" b="0" i="0" u="none" strike="noStrike" cap="none" normalizeH="0" baseline="0">
+              <a:t>public double </a:t>
+            </a:r>
+            <a:r>
+              <a:rPr kumimoji="0" lang="en-US" altLang="en-US" sz="1000" b="0" i="0" u="none" strike="noStrike" cap="none" normalizeH="0" baseline="0" dirty="0" err="1">
                 <a:ln>
                   <a:noFill/>
                 </a:ln>
@@ -7805,112 +7806,113 @@
                 <a:effectLst/>
                 <a:latin typeface="JetBrains Mono"/>
               </a:rPr>
-              <a:t>)</a:t>
-            </a:r>
-            <a:r>
-              <a:rPr kumimoji="0" lang="en-US" altLang="en-US" sz="1000" b="0" i="0" u="none" strike="noStrike" cap="none" normalizeH="0" baseline="0">
+              <a:t>ammortize</a:t>
+            </a:r>
+            <a:r>
+              <a:rPr kumimoji="0" lang="en-US" altLang="en-US" sz="1000" b="0" i="0" u="none" strike="noStrike" cap="none" normalizeH="0" baseline="0" dirty="0">
                 <a:ln>
                   <a:noFill/>
                 </a:ln>
                 <a:solidFill>
-                  <a:srgbClr val="CC7832"/>
+                  <a:srgbClr val="A9B7C6"/>
                 </a:solidFill>
                 <a:effectLst/>
                 <a:latin typeface="JetBrains Mono"/>
               </a:rPr>
-              <a:t>;</a:t>
+              <a:t>() {</a:t>
             </a:r>
             <a:br>
-              <a:rPr kumimoji="0" lang="en-US" altLang="en-US" sz="1000" b="0" i="0" u="none" strike="noStrike" cap="none" normalizeH="0" baseline="0">
+              <a:rPr kumimoji="0" lang="en-US" altLang="en-US" sz="1000" b="0" i="0" u="none" strike="noStrike" cap="none" normalizeH="0" baseline="0" dirty="0">
                 <a:ln>
                   <a:noFill/>
                 </a:ln>
                 <a:solidFill>
-                  <a:srgbClr val="CC7832"/>
+                  <a:srgbClr val="A9B7C6"/>
                 </a:solidFill>
                 <a:effectLst/>
                 <a:latin typeface="JetBrains Mono"/>
               </a:rPr>
             </a:br>
             <a:r>
-              <a:rPr kumimoji="0" lang="en-US" altLang="en-US" sz="1000" b="0" i="0" u="none" strike="noStrike" cap="none" normalizeH="0" baseline="0">
+              <a:rPr kumimoji="0" lang="en-US" altLang="en-US" sz="1000" b="0" i="0" u="none" strike="noStrike" cap="none" normalizeH="0" baseline="0" dirty="0">
                 <a:ln>
                   <a:noFill/>
                 </a:ln>
                 <a:solidFill>
-                  <a:srgbClr val="CC7832"/>
+                  <a:srgbClr val="A9B7C6"/>
                 </a:solidFill>
                 <a:effectLst/>
                 <a:latin typeface="JetBrains Mono"/>
               </a:rPr>
-              <a:t>        double </a:t>
-            </a:r>
-            <a:r>
-              <a:rPr kumimoji="0" lang="en-US" altLang="en-US" sz="1000" b="0" i="0" u="none" strike="noStrike" cap="none" normalizeH="0" baseline="0">
+              <a:t>        </a:t>
+            </a:r>
+            <a:r>
+              <a:rPr kumimoji="0" lang="en-US" altLang="en-US" sz="1000" b="0" i="0" u="none" strike="noStrike" cap="none" normalizeH="0" baseline="0" dirty="0">
                 <a:ln>
                   <a:noFill/>
                 </a:ln>
                 <a:solidFill>
-                  <a:srgbClr val="A9B7C6"/>
+                  <a:srgbClr val="CC7832"/>
                 </a:solidFill>
                 <a:effectLst/>
                 <a:latin typeface="JetBrains Mono"/>
               </a:rPr>
-              <a:t>n=yrs*</a:t>
-            </a:r>
-            <a:r>
-              <a:rPr kumimoji="0" lang="en-US" altLang="en-US" sz="1000" b="0" i="0" u="none" strike="noStrike" cap="none" normalizeH="0" baseline="0">
+              <a:t>double </a:t>
+            </a:r>
+            <a:r>
+              <a:rPr kumimoji="0" lang="en-US" altLang="en-US" sz="1000" b="0" i="0" u="none" strike="noStrike" cap="none" normalizeH="0" baseline="0" dirty="0">
                 <a:ln>
                   <a:noFill/>
                 </a:ln>
                 <a:solidFill>
-                  <a:srgbClr val="6897BB"/>
+                  <a:srgbClr val="A9B7C6"/>
                 </a:solidFill>
                 <a:effectLst/>
                 <a:latin typeface="JetBrains Mono"/>
               </a:rPr>
-              <a:t>12</a:t>
-            </a:r>
-            <a:r>
-              <a:rPr kumimoji="0" lang="en-US" altLang="en-US" sz="1000" b="0" i="0" u="none" strike="noStrike" cap="none" normalizeH="0" baseline="0">
+              <a:t>r=rate/(</a:t>
+            </a:r>
+            <a:r>
+              <a:rPr kumimoji="0" lang="en-US" altLang="en-US" sz="1000" b="0" i="0" u="none" strike="noStrike" cap="none" normalizeH="0" baseline="0" dirty="0">
                 <a:ln>
                   <a:noFill/>
                 </a:ln>
                 <a:solidFill>
-                  <a:srgbClr val="CC7832"/>
+                  <a:srgbClr val="6897BB"/>
                 </a:solidFill>
                 <a:effectLst/>
                 <a:latin typeface="JetBrains Mono"/>
               </a:rPr>
-              <a:t>;</a:t>
-            </a:r>
-            <a:br>
-              <a:rPr kumimoji="0" lang="en-US" altLang="en-US" sz="1000" b="0" i="0" u="none" strike="noStrike" cap="none" normalizeH="0" baseline="0">
+              <a:t>100</a:t>
+            </a:r>
+            <a:r>
+              <a:rPr kumimoji="0" lang="en-US" altLang="en-US" sz="1000" b="0" i="0" u="none" strike="noStrike" cap="none" normalizeH="0" baseline="0" dirty="0">
                 <a:ln>
                   <a:noFill/>
                 </a:ln>
                 <a:solidFill>
-                  <a:srgbClr val="CC7832"/>
+                  <a:srgbClr val="A9B7C6"/>
                 </a:solidFill>
                 <a:effectLst/>
                 <a:latin typeface="JetBrains Mono"/>
               </a:rPr>
-            </a:br>
-            <a:r>
-              <a:rPr kumimoji="0" lang="en-US" altLang="en-US" sz="1000" b="0" i="0" u="none" strike="noStrike" cap="none" normalizeH="0" baseline="0">
+              <a:t>*</a:t>
+            </a:r>
+            <a:r>
+              <a:rPr kumimoji="0" lang="en-US" altLang="en-US" sz="1000" b="0" i="0" u="none" strike="noStrike" cap="none" normalizeH="0" baseline="0" dirty="0">
                 <a:ln>
                   <a:noFill/>
                 </a:ln>
                 <a:solidFill>
-                  <a:srgbClr val="CC7832"/>
+                  <a:srgbClr val="6897BB"/>
                 </a:solidFill>
                 <a:effectLst/>
                 <a:latin typeface="JetBrains Mono"/>
               </a:rPr>
-              <a:t>        double </a:t>
-            </a:r>
-            <a:r>
-              <a:rPr kumimoji="0" lang="en-US" altLang="en-US" sz="1000" b="0" i="0" u="none" strike="noStrike" cap="none" normalizeH="0" baseline="0">
+              <a:t>12</a:t>
+            </a:r>
+            <a:r>
+              <a:rPr kumimoji="0" lang="en-US" altLang="en-US" sz="1000" b="0" i="0" u="none" strike="noStrike" cap="none" normalizeH="0" baseline="0" dirty="0">
                 <a:ln>
                   <a:noFill/>
                 </a:ln>
@@ -7920,10 +7922,10 @@
                 <a:effectLst/>
                 <a:latin typeface="JetBrains Mono"/>
               </a:rPr>
-              <a:t>a=amount</a:t>
-            </a:r>
-            <a:r>
-              <a:rPr kumimoji="0" lang="en-US" altLang="en-US" sz="1000" b="0" i="0" u="none" strike="noStrike" cap="none" normalizeH="0" baseline="0">
+              <a:t>)</a:t>
+            </a:r>
+            <a:r>
+              <a:rPr kumimoji="0" lang="en-US" altLang="en-US" sz="1000" b="0" i="0" u="none" strike="noStrike" cap="none" normalizeH="0" baseline="0" dirty="0">
                 <a:ln>
                   <a:noFill/>
                 </a:ln>
@@ -7936,7 +7938,7 @@
               <a:t>;</a:t>
             </a:r>
             <a:br>
-              <a:rPr kumimoji="0" lang="en-US" altLang="en-US" sz="1000" b="0" i="0" u="none" strike="noStrike" cap="none" normalizeH="0" baseline="0">
+              <a:rPr kumimoji="0" lang="en-US" altLang="en-US" sz="1000" b="0" i="0" u="none" strike="noStrike" cap="none" normalizeH="0" baseline="0" dirty="0">
                 <a:ln>
                   <a:noFill/>
                 </a:ln>
@@ -7948,7 +7950,7 @@
               </a:rPr>
             </a:br>
             <a:r>
-              <a:rPr kumimoji="0" lang="en-US" altLang="en-US" sz="1000" b="0" i="0" u="none" strike="noStrike" cap="none" normalizeH="0" baseline="0">
+              <a:rPr kumimoji="0" lang="en-US" altLang="en-US" sz="1000" b="0" i="0" u="none" strike="noStrike" cap="none" normalizeH="0" baseline="0" dirty="0">
                 <a:ln>
                   <a:noFill/>
                 </a:ln>
@@ -7961,7 +7963,7 @@
               <a:t>        double </a:t>
             </a:r>
             <a:r>
-              <a:rPr kumimoji="0" lang="en-US" altLang="en-US" sz="1000" b="0" i="0" u="none" strike="noStrike" cap="none" normalizeH="0" baseline="0">
+              <a:rPr kumimoji="0" lang="en-US" altLang="en-US" sz="1000" b="0" i="0" u="none" strike="noStrike" cap="none" normalizeH="0" baseline="0" dirty="0">
                 <a:ln>
                   <a:noFill/>
                 </a:ln>
@@ -7971,23 +7973,23 @@
                 <a:effectLst/>
                 <a:latin typeface="JetBrains Mono"/>
               </a:rPr>
-              <a:t>d = (Math.pow((</a:t>
-            </a:r>
-            <a:r>
-              <a:rPr kumimoji="0" lang="en-US" altLang="en-US" sz="1000" b="0" i="0" u="none" strike="noStrike" cap="none" normalizeH="0" baseline="0">
+              <a:t>n=</a:t>
+            </a:r>
+            <a:r>
+              <a:rPr kumimoji="0" lang="en-US" altLang="en-US" sz="1000" b="0" i="0" u="none" strike="noStrike" cap="none" normalizeH="0" baseline="0" dirty="0" err="1">
                 <a:ln>
                   <a:noFill/>
                 </a:ln>
                 <a:solidFill>
-                  <a:srgbClr val="6897BB"/>
+                  <a:srgbClr val="A9B7C6"/>
                 </a:solidFill>
                 <a:effectLst/>
                 <a:latin typeface="JetBrains Mono"/>
               </a:rPr>
-              <a:t>1 </a:t>
-            </a:r>
-            <a:r>
-              <a:rPr kumimoji="0" lang="en-US" altLang="en-US" sz="1000" b="0" i="0" u="none" strike="noStrike" cap="none" normalizeH="0" baseline="0">
+              <a:t>yrs</a:t>
+            </a:r>
+            <a:r>
+              <a:rPr kumimoji="0" lang="en-US" altLang="en-US" sz="1000" b="0" i="0" u="none" strike="noStrike" cap="none" normalizeH="0" baseline="0" dirty="0">
                 <a:ln>
                   <a:noFill/>
                 </a:ln>
@@ -7997,88 +7999,87 @@
                 <a:effectLst/>
                 <a:latin typeface="JetBrains Mono"/>
               </a:rPr>
-              <a:t>+ r)</a:t>
-            </a:r>
-            <a:r>
-              <a:rPr kumimoji="0" lang="en-US" altLang="en-US" sz="1000" b="0" i="0" u="none" strike="noStrike" cap="none" normalizeH="0" baseline="0">
+              <a:t>*</a:t>
+            </a:r>
+            <a:r>
+              <a:rPr kumimoji="0" lang="en-US" altLang="en-US" sz="1000" b="0" i="0" u="none" strike="noStrike" cap="none" normalizeH="0" baseline="0" dirty="0">
                 <a:ln>
                   <a:noFill/>
                 </a:ln>
                 <a:solidFill>
-                  <a:srgbClr val="CC7832"/>
+                  <a:srgbClr val="6897BB"/>
                 </a:solidFill>
                 <a:effectLst/>
                 <a:latin typeface="JetBrains Mono"/>
               </a:rPr>
-              <a:t>,</a:t>
-            </a:r>
-            <a:r>
-              <a:rPr kumimoji="0" lang="en-US" altLang="en-US" sz="1000" b="0" i="0" u="none" strike="noStrike" cap="none" normalizeH="0" baseline="0">
+              <a:t>12</a:t>
+            </a:r>
+            <a:r>
+              <a:rPr kumimoji="0" lang="en-US" altLang="en-US" sz="1000" b="0" i="0" u="none" strike="noStrike" cap="none" normalizeH="0" baseline="0" dirty="0">
                 <a:ln>
                   <a:noFill/>
                 </a:ln>
                 <a:solidFill>
-                  <a:srgbClr val="A9B7C6"/>
+                  <a:srgbClr val="CC7832"/>
                 </a:solidFill>
                 <a:effectLst/>
                 <a:latin typeface="JetBrains Mono"/>
               </a:rPr>
-              <a:t>n)- </a:t>
-            </a:r>
-            <a:r>
-              <a:rPr kumimoji="0" lang="en-US" altLang="en-US" sz="1000" b="0" i="0" u="none" strike="noStrike" cap="none" normalizeH="0" baseline="0">
+              <a:t>;</a:t>
+            </a:r>
+            <a:br>
+              <a:rPr kumimoji="0" lang="en-US" altLang="en-US" sz="1000" b="0" i="0" u="none" strike="noStrike" cap="none" normalizeH="0" baseline="0" dirty="0">
                 <a:ln>
                   <a:noFill/>
                 </a:ln>
                 <a:solidFill>
-                  <a:srgbClr val="6897BB"/>
+                  <a:srgbClr val="CC7832"/>
                 </a:solidFill>
                 <a:effectLst/>
                 <a:latin typeface="JetBrains Mono"/>
               </a:rPr>
-              <a:t>1</a:t>
-            </a:r>
-            <a:r>
-              <a:rPr kumimoji="0" lang="en-US" altLang="en-US" sz="1000" b="0" i="0" u="none" strike="noStrike" cap="none" normalizeH="0" baseline="0">
+            </a:br>
+            <a:r>
+              <a:rPr kumimoji="0" lang="en-US" altLang="en-US" sz="1000" b="0" i="0" u="none" strike="noStrike" cap="none" normalizeH="0" baseline="0" dirty="0">
                 <a:ln>
                   <a:noFill/>
                 </a:ln>
                 <a:solidFill>
-                  <a:srgbClr val="A9B7C6"/>
+                  <a:srgbClr val="CC7832"/>
                 </a:solidFill>
                 <a:effectLst/>
                 <a:latin typeface="JetBrains Mono"/>
               </a:rPr>
-              <a:t>)/ (r*Math.pow((</a:t>
-            </a:r>
-            <a:r>
-              <a:rPr kumimoji="0" lang="en-US" altLang="en-US" sz="1000" b="0" i="0" u="none" strike="noStrike" cap="none" normalizeH="0" baseline="0">
+              <a:t>        double </a:t>
+            </a:r>
+            <a:r>
+              <a:rPr kumimoji="0" lang="en-US" altLang="en-US" sz="1000" b="0" i="0" u="none" strike="noStrike" cap="none" normalizeH="0" baseline="0" dirty="0">
                 <a:ln>
                   <a:noFill/>
                 </a:ln>
                 <a:solidFill>
-                  <a:srgbClr val="6897BB"/>
+                  <a:srgbClr val="A9B7C6"/>
                 </a:solidFill>
                 <a:effectLst/>
                 <a:latin typeface="JetBrains Mono"/>
               </a:rPr>
-              <a:t>1 </a:t>
-            </a:r>
-            <a:r>
-              <a:rPr kumimoji="0" lang="en-US" altLang="en-US" sz="1000" b="0" i="0" u="none" strike="noStrike" cap="none" normalizeH="0" baseline="0">
+              <a:t>a=amount</a:t>
+            </a:r>
+            <a:r>
+              <a:rPr kumimoji="0" lang="en-US" altLang="en-US" sz="1000" b="0" i="0" u="none" strike="noStrike" cap="none" normalizeH="0" baseline="0" dirty="0">
                 <a:ln>
                   <a:noFill/>
                 </a:ln>
                 <a:solidFill>
-                  <a:srgbClr val="A9B7C6"/>
+                  <a:srgbClr val="CC7832"/>
                 </a:solidFill>
                 <a:effectLst/>
                 <a:latin typeface="JetBrains Mono"/>
               </a:rPr>
-              <a:t>+ r)</a:t>
-            </a:r>
-            <a:r>
-              <a:rPr kumimoji="0" lang="en-US" altLang="en-US" sz="1000" b="0" i="0" u="none" strike="noStrike" cap="none" normalizeH="0" baseline="0">
+              <a:t>;</a:t>
+            </a:r>
+            <a:br>
+              <a:rPr kumimoji="0" lang="en-US" altLang="en-US" sz="1000" b="0" i="0" u="none" strike="noStrike" cap="none" normalizeH="0" baseline="0" dirty="0">
                 <a:ln>
                   <a:noFill/>
                 </a:ln>
@@ -8088,87 +8089,87 @@
                 <a:effectLst/>
                 <a:latin typeface="JetBrains Mono"/>
               </a:rPr>
-              <a:t>,</a:t>
-            </a:r>
-            <a:r>
-              <a:rPr kumimoji="0" lang="en-US" altLang="en-US" sz="1000" b="0" i="0" u="none" strike="noStrike" cap="none" normalizeH="0" baseline="0">
+            </a:br>
+            <a:r>
+              <a:rPr kumimoji="0" lang="en-US" altLang="en-US" sz="1000" b="0" i="0" u="none" strike="noStrike" cap="none" normalizeH="0" baseline="0" dirty="0">
                 <a:ln>
                   <a:noFill/>
                 </a:ln>
                 <a:solidFill>
-                  <a:srgbClr val="A9B7C6"/>
+                  <a:srgbClr val="CC7832"/>
                 </a:solidFill>
                 <a:effectLst/>
                 <a:latin typeface="JetBrains Mono"/>
               </a:rPr>
-              <a:t>n))</a:t>
-            </a:r>
-            <a:r>
-              <a:rPr kumimoji="0" lang="en-US" altLang="en-US" sz="1000" b="0" i="0" u="none" strike="noStrike" cap="none" normalizeH="0" baseline="0">
+              <a:t>        double </a:t>
+            </a:r>
+            <a:r>
+              <a:rPr kumimoji="0" lang="en-US" altLang="en-US" sz="1000" b="0" i="0" u="none" strike="noStrike" cap="none" normalizeH="0" baseline="0" dirty="0">
                 <a:ln>
                   <a:noFill/>
                 </a:ln>
                 <a:solidFill>
-                  <a:srgbClr val="CC7832"/>
+                  <a:srgbClr val="A9B7C6"/>
                 </a:solidFill>
                 <a:effectLst/>
                 <a:latin typeface="JetBrains Mono"/>
               </a:rPr>
-              <a:t>;</a:t>
-            </a:r>
-            <a:br>
-              <a:rPr kumimoji="0" lang="en-US" altLang="en-US" sz="1000" b="0" i="0" u="none" strike="noStrike" cap="none" normalizeH="0" baseline="0">
+              <a:t>d = (</a:t>
+            </a:r>
+            <a:r>
+              <a:rPr kumimoji="0" lang="en-US" altLang="en-US" sz="1000" b="0" i="0" u="none" strike="noStrike" cap="none" normalizeH="0" baseline="0" dirty="0" err="1">
                 <a:ln>
                   <a:noFill/>
                 </a:ln>
                 <a:solidFill>
-                  <a:srgbClr val="CC7832"/>
+                  <a:srgbClr val="A9B7C6"/>
                 </a:solidFill>
                 <a:effectLst/>
                 <a:latin typeface="JetBrains Mono"/>
               </a:rPr>
-            </a:br>
-            <a:r>
-              <a:rPr kumimoji="0" lang="en-US" altLang="en-US" sz="1000" b="0" i="0" u="none" strike="noStrike" cap="none" normalizeH="0" baseline="0">
+              <a:t>Math.pow</a:t>
+            </a:r>
+            <a:r>
+              <a:rPr kumimoji="0" lang="en-US" altLang="en-US" sz="1000" b="0" i="0" u="none" strike="noStrike" cap="none" normalizeH="0" baseline="0" dirty="0">
                 <a:ln>
                   <a:noFill/>
                 </a:ln>
                 <a:solidFill>
-                  <a:srgbClr val="CC7832"/>
+                  <a:srgbClr val="A9B7C6"/>
                 </a:solidFill>
                 <a:effectLst/>
                 <a:latin typeface="JetBrains Mono"/>
               </a:rPr>
-              <a:t>        return </a:t>
-            </a:r>
-            <a:r>
-              <a:rPr kumimoji="0" lang="en-US" altLang="en-US" sz="1000" b="0" i="0" u="none" strike="noStrike" cap="none" normalizeH="0" baseline="0">
+              <a:t>((</a:t>
+            </a:r>
+            <a:r>
+              <a:rPr kumimoji="0" lang="en-US" altLang="en-US" sz="1000" b="0" i="0" u="none" strike="noStrike" cap="none" normalizeH="0" baseline="0" dirty="0">
                 <a:ln>
                   <a:noFill/>
                 </a:ln>
                 <a:solidFill>
-                  <a:srgbClr val="A9B7C6"/>
+                  <a:srgbClr val="6897BB"/>
                 </a:solidFill>
                 <a:effectLst/>
                 <a:latin typeface="JetBrains Mono"/>
               </a:rPr>
-              <a:t>a/d </a:t>
-            </a:r>
-            <a:r>
-              <a:rPr kumimoji="0" lang="en-US" altLang="en-US" sz="1000" b="0" i="0" u="none" strike="noStrike" cap="none" normalizeH="0" baseline="0">
+              <a:t>1 </a:t>
+            </a:r>
+            <a:r>
+              <a:rPr kumimoji="0" lang="en-US" altLang="en-US" sz="1000" b="0" i="0" u="none" strike="noStrike" cap="none" normalizeH="0" baseline="0" dirty="0">
                 <a:ln>
                   <a:noFill/>
                 </a:ln>
                 <a:solidFill>
-                  <a:srgbClr val="CC7832"/>
+                  <a:srgbClr val="A9B7C6"/>
                 </a:solidFill>
                 <a:effectLst/>
                 <a:latin typeface="JetBrains Mono"/>
               </a:rPr>
-              <a:t>;</a:t>
-            </a:r>
-            <a:br>
-              <a:rPr kumimoji="0" lang="en-US" altLang="en-US" sz="1000" b="0" i="0" u="none" strike="noStrike" cap="none" normalizeH="0" baseline="0">
+              <a:t>+ r)</a:t>
+            </a:r>
+            <a:r>
+              <a:rPr kumimoji="0" lang="en-US" altLang="en-US" sz="1000" b="0" i="0" u="none" strike="noStrike" cap="none" normalizeH="0" baseline="0" dirty="0">
                 <a:ln>
                   <a:noFill/>
                 </a:ln>
@@ -8178,35 +8179,36 @@
                 <a:effectLst/>
                 <a:latin typeface="JetBrains Mono"/>
               </a:rPr>
-            </a:br>
-            <a:r>
-              <a:rPr kumimoji="0" lang="en-US" altLang="en-US" sz="1000" b="0" i="0" u="none" strike="noStrike" cap="none" normalizeH="0" baseline="0">
+              <a:t>,</a:t>
+            </a:r>
+            <a:r>
+              <a:rPr kumimoji="0" lang="en-US" altLang="en-US" sz="1000" b="0" i="0" u="none" strike="noStrike" cap="none" normalizeH="0" baseline="0" dirty="0">
                 <a:ln>
                   <a:noFill/>
                 </a:ln>
                 <a:solidFill>
-                  <a:srgbClr val="CC7832"/>
+                  <a:srgbClr val="A9B7C6"/>
                 </a:solidFill>
                 <a:effectLst/>
                 <a:latin typeface="JetBrains Mono"/>
               </a:rPr>
-              <a:t>    </a:t>
-            </a:r>
-            <a:r>
-              <a:rPr kumimoji="0" lang="en-US" altLang="en-US" sz="1000" b="0" i="0" u="none" strike="noStrike" cap="none" normalizeH="0" baseline="0">
+              <a:t>n)- </a:t>
+            </a:r>
+            <a:r>
+              <a:rPr kumimoji="0" lang="en-US" altLang="en-US" sz="1000" b="0" i="0" u="none" strike="noStrike" cap="none" normalizeH="0" baseline="0" dirty="0">
                 <a:ln>
                   <a:noFill/>
                 </a:ln>
                 <a:solidFill>
-                  <a:srgbClr val="A9B7C6"/>
+                  <a:srgbClr val="6897BB"/>
                 </a:solidFill>
                 <a:effectLst/>
                 <a:latin typeface="JetBrains Mono"/>
               </a:rPr>
-              <a:t>}</a:t>
-            </a:r>
-            <a:br>
-              <a:rPr kumimoji="0" lang="en-US" altLang="en-US" sz="1000" b="0" i="0" u="none" strike="noStrike" cap="none" normalizeH="0" baseline="0">
+              <a:t>1</a:t>
+            </a:r>
+            <a:r>
+              <a:rPr kumimoji="0" lang="en-US" altLang="en-US" sz="1000" b="0" i="0" u="none" strike="noStrike" cap="none" normalizeH="0" baseline="0" dirty="0">
                 <a:ln>
                   <a:noFill/>
                 </a:ln>
@@ -8216,9 +8218,10 @@
                 <a:effectLst/>
                 <a:latin typeface="JetBrains Mono"/>
               </a:rPr>
-            </a:br>
-            <a:br>
-              <a:rPr kumimoji="0" lang="en-US" altLang="en-US" sz="1000" b="0" i="0" u="none" strike="noStrike" cap="none" normalizeH="0" baseline="0">
+              <a:t>)/ (r*</a:t>
+            </a:r>
+            <a:r>
+              <a:rPr kumimoji="0" lang="en-US" altLang="en-US" sz="1000" b="0" i="0" u="none" strike="noStrike" cap="none" normalizeH="0" baseline="0" dirty="0" err="1">
                 <a:ln>
                   <a:noFill/>
                 </a:ln>
@@ -8228,9 +8231,10 @@
                 <a:effectLst/>
                 <a:latin typeface="JetBrains Mono"/>
               </a:rPr>
-            </a:br>
-            <a:r>
-              <a:rPr kumimoji="0" lang="en-US" altLang="en-US" sz="1000" b="0" i="0" u="none" strike="noStrike" cap="none" normalizeH="0" baseline="0">
+              <a:t>Math.pow</a:t>
+            </a:r>
+            <a:r>
+              <a:rPr kumimoji="0" lang="en-US" altLang="en-US" sz="1000" b="0" i="0" u="none" strike="noStrike" cap="none" normalizeH="0" baseline="0" dirty="0">
                 <a:ln>
                   <a:noFill/>
                 </a:ln>
@@ -8240,23 +8244,23 @@
                 <a:effectLst/>
                 <a:latin typeface="JetBrains Mono"/>
               </a:rPr>
-              <a:t>    </a:t>
-            </a:r>
-            <a:r>
-              <a:rPr kumimoji="0" lang="en-US" altLang="en-US" sz="1000" b="0" i="0" u="none" strike="noStrike" cap="none" normalizeH="0" baseline="0">
+              <a:t>((</a:t>
+            </a:r>
+            <a:r>
+              <a:rPr kumimoji="0" lang="en-US" altLang="en-US" sz="1000" b="0" i="0" u="none" strike="noStrike" cap="none" normalizeH="0" baseline="0" dirty="0">
                 <a:ln>
                   <a:noFill/>
                 </a:ln>
                 <a:solidFill>
-                  <a:srgbClr val="CC7832"/>
+                  <a:srgbClr val="6897BB"/>
                 </a:solidFill>
                 <a:effectLst/>
                 <a:latin typeface="JetBrains Mono"/>
               </a:rPr>
-              <a:t>public static void </a:t>
-            </a:r>
-            <a:r>
-              <a:rPr kumimoji="0" lang="en-US" altLang="en-US" sz="1000" b="0" i="0" u="none" strike="noStrike" cap="none" normalizeH="0" baseline="0">
+              <a:t>1 </a:t>
+            </a:r>
+            <a:r>
+              <a:rPr kumimoji="0" lang="en-US" altLang="en-US" sz="1000" b="0" i="0" u="none" strike="noStrike" cap="none" normalizeH="0" baseline="0" dirty="0">
                 <a:ln>
                   <a:noFill/>
                 </a:ln>
@@ -8266,22 +8270,23 @@
                 <a:effectLst/>
                 <a:latin typeface="JetBrains Mono"/>
               </a:rPr>
-              <a:t>main(String ar[]){</a:t>
-            </a:r>
-            <a:br>
-              <a:rPr kumimoji="0" lang="en-US" altLang="en-US" sz="1000" b="0" i="0" u="none" strike="noStrike" cap="none" normalizeH="0" baseline="0">
+              <a:t>+ r)</a:t>
+            </a:r>
+            <a:r>
+              <a:rPr kumimoji="0" lang="en-US" altLang="en-US" sz="1000" b="0" i="0" u="none" strike="noStrike" cap="none" normalizeH="0" baseline="0" dirty="0">
                 <a:ln>
                   <a:noFill/>
                 </a:ln>
                 <a:solidFill>
-                  <a:srgbClr val="A9B7C6"/>
+                  <a:srgbClr val="CC7832"/>
                 </a:solidFill>
                 <a:effectLst/>
                 <a:latin typeface="JetBrains Mono"/>
               </a:rPr>
-            </a:br>
-            <a:r>
-              <a:rPr kumimoji="0" lang="en-US" altLang="en-US" sz="1000" b="0" i="0" u="none" strike="noStrike" cap="none" normalizeH="0" baseline="0">
+              <a:t>,</a:t>
+            </a:r>
+            <a:r>
+              <a:rPr kumimoji="0" lang="en-US" altLang="en-US" sz="1000" b="0" i="0" u="none" strike="noStrike" cap="none" normalizeH="0" baseline="0" dirty="0">
                 <a:ln>
                   <a:noFill/>
                 </a:ln>
@@ -8291,10 +8296,10 @@
                 <a:effectLst/>
                 <a:latin typeface="JetBrains Mono"/>
               </a:rPr>
-              <a:t>        </a:t>
-            </a:r>
-            <a:r>
-              <a:rPr kumimoji="0" lang="en-US" altLang="en-US" sz="1000" b="0" i="0" u="none" strike="noStrike" cap="none" normalizeH="0" baseline="0">
+              <a:t>n))</a:t>
+            </a:r>
+            <a:r>
+              <a:rPr kumimoji="0" lang="en-US" altLang="en-US" sz="1000" b="0" i="0" u="none" strike="noStrike" cap="none" normalizeH="0" baseline="0" dirty="0">
                 <a:ln>
                   <a:noFill/>
                 </a:ln>
@@ -8304,49 +8309,48 @@
                 <a:effectLst/>
                 <a:latin typeface="JetBrains Mono"/>
               </a:rPr>
-              <a:t>int </a:t>
-            </a:r>
-            <a:r>
-              <a:rPr kumimoji="0" lang="en-US" altLang="en-US" sz="1000" b="0" i="0" u="none" strike="noStrike" cap="none" normalizeH="0" baseline="0">
+              <a:t>;</a:t>
+            </a:r>
+            <a:br>
+              <a:rPr kumimoji="0" lang="en-US" altLang="en-US" sz="1000" b="0" i="0" u="none" strike="noStrike" cap="none" normalizeH="0" baseline="0" dirty="0">
                 <a:ln>
                   <a:noFill/>
                 </a:ln>
                 <a:solidFill>
-                  <a:srgbClr val="A9B7C6"/>
+                  <a:srgbClr val="CC7832"/>
                 </a:solidFill>
                 <a:effectLst/>
                 <a:latin typeface="JetBrains Mono"/>
               </a:rPr>
-              <a:t>y=</a:t>
-            </a:r>
-            <a:r>
-              <a:rPr kumimoji="0" lang="en-US" altLang="en-US" sz="1000" b="0" i="0" u="none" strike="noStrike" cap="none" normalizeH="0" baseline="0">
+            </a:br>
+            <a:r>
+              <a:rPr kumimoji="0" lang="en-US" altLang="en-US" sz="1000" b="0" i="0" u="none" strike="noStrike" cap="none" normalizeH="0" baseline="0" dirty="0">
                 <a:ln>
                   <a:noFill/>
                 </a:ln>
                 <a:solidFill>
-                  <a:srgbClr val="6897BB"/>
+                  <a:srgbClr val="CC7832"/>
                 </a:solidFill>
                 <a:effectLst/>
                 <a:latin typeface="JetBrains Mono"/>
               </a:rPr>
-              <a:t>7</a:t>
-            </a:r>
-            <a:r>
-              <a:rPr kumimoji="0" lang="en-US" altLang="en-US" sz="1000" b="0" i="0" u="none" strike="noStrike" cap="none" normalizeH="0" baseline="0">
+              <a:t>        return </a:t>
+            </a:r>
+            <a:r>
+              <a:rPr kumimoji="0" lang="en-US" altLang="en-US" sz="1000" b="0" i="0" u="none" strike="noStrike" cap="none" normalizeH="0" baseline="0" dirty="0" err="1">
                 <a:ln>
                   <a:noFill/>
                 </a:ln>
                 <a:solidFill>
-                  <a:srgbClr val="CC7832"/>
+                  <a:srgbClr val="A9B7C6"/>
                 </a:solidFill>
                 <a:effectLst/>
                 <a:latin typeface="JetBrains Mono"/>
               </a:rPr>
-              <a:t>;int </a:t>
-            </a:r>
-            <a:r>
-              <a:rPr kumimoji="0" lang="en-US" altLang="en-US" sz="1000" b="0" i="0" u="none" strike="noStrike" cap="none" normalizeH="0" baseline="0">
+              <a:t>a/d</a:t>
+            </a:r>
+            <a:r>
+              <a:rPr kumimoji="0" lang="en-US" altLang="en-US" sz="1000" b="0" i="0" u="none" strike="noStrike" cap="none" normalizeH="0" baseline="0" dirty="0">
                 <a:ln>
                   <a:noFill/>
                 </a:ln>
@@ -8356,23 +8360,23 @@
                 <a:effectLst/>
                 <a:latin typeface="JetBrains Mono"/>
               </a:rPr>
-              <a:t>r=</a:t>
-            </a:r>
-            <a:r>
-              <a:rPr kumimoji="0" lang="en-US" altLang="en-US" sz="1000" b="0" i="0" u="none" strike="noStrike" cap="none" normalizeH="0" baseline="0">
+              <a:t> </a:t>
+            </a:r>
+            <a:r>
+              <a:rPr kumimoji="0" lang="en-US" altLang="en-US" sz="1000" b="0" i="0" u="none" strike="noStrike" cap="none" normalizeH="0" baseline="0" dirty="0">
                 <a:ln>
                   <a:noFill/>
                 </a:ln>
                 <a:solidFill>
-                  <a:srgbClr val="6897BB"/>
+                  <a:srgbClr val="CC7832"/>
                 </a:solidFill>
                 <a:effectLst/>
                 <a:latin typeface="JetBrains Mono"/>
               </a:rPr>
-              <a:t>3</a:t>
-            </a:r>
-            <a:r>
-              <a:rPr kumimoji="0" lang="en-US" altLang="en-US" sz="1000" b="0" i="0" u="none" strike="noStrike" cap="none" normalizeH="0" baseline="0">
+              <a:t>;</a:t>
+            </a:r>
+            <a:br>
+              <a:rPr kumimoji="0" lang="en-US" altLang="en-US" sz="1000" b="0" i="0" u="none" strike="noStrike" cap="none" normalizeH="0" baseline="0" dirty="0">
                 <a:ln>
                   <a:noFill/>
                 </a:ln>
@@ -8382,100 +8386,98 @@
                 <a:effectLst/>
                 <a:latin typeface="JetBrains Mono"/>
               </a:rPr>
-              <a:t>;double </a:t>
-            </a:r>
-            <a:r>
-              <a:rPr kumimoji="0" lang="en-US" altLang="en-US" sz="1000" b="0" i="0" u="none" strike="noStrike" cap="none" normalizeH="0" baseline="0">
+            </a:br>
+            <a:r>
+              <a:rPr kumimoji="0" lang="en-US" altLang="en-US" sz="1000" b="0" i="0" u="none" strike="noStrike" cap="none" normalizeH="0" baseline="0" dirty="0">
                 <a:ln>
                   <a:noFill/>
                 </a:ln>
                 <a:solidFill>
-                  <a:srgbClr val="A9B7C6"/>
+                  <a:srgbClr val="CC7832"/>
                 </a:solidFill>
                 <a:effectLst/>
                 <a:latin typeface="JetBrains Mono"/>
               </a:rPr>
-              <a:t>a=</a:t>
-            </a:r>
-            <a:r>
-              <a:rPr kumimoji="0" lang="en-US" altLang="en-US" sz="1000" b="0" i="0" u="none" strike="noStrike" cap="none" normalizeH="0" baseline="0">
+              <a:t>    </a:t>
+            </a:r>
+            <a:r>
+              <a:rPr kumimoji="0" lang="en-US" altLang="en-US" sz="1000" b="0" i="0" u="none" strike="noStrike" cap="none" normalizeH="0" baseline="0" dirty="0">
                 <a:ln>
                   <a:noFill/>
                 </a:ln>
                 <a:solidFill>
-                  <a:srgbClr val="6897BB"/>
+                  <a:srgbClr val="A9B7C6"/>
                 </a:solidFill>
                 <a:effectLst/>
                 <a:latin typeface="JetBrains Mono"/>
               </a:rPr>
-              <a:t>10000</a:t>
-            </a:r>
-            <a:r>
-              <a:rPr kumimoji="0" lang="en-US" altLang="en-US" sz="1000" b="0" i="0" u="none" strike="noStrike" cap="none" normalizeH="0" baseline="0">
+              <a:t>}</a:t>
+            </a:r>
+            <a:br>
+              <a:rPr kumimoji="0" lang="en-US" altLang="en-US" sz="1000" b="0" i="0" u="none" strike="noStrike" cap="none" normalizeH="0" baseline="0" dirty="0">
                 <a:ln>
                   <a:noFill/>
                 </a:ln>
                 <a:solidFill>
-                  <a:srgbClr val="CC7832"/>
+                  <a:srgbClr val="A9B7C6"/>
                 </a:solidFill>
                 <a:effectLst/>
                 <a:latin typeface="JetBrains Mono"/>
               </a:rPr>
-              <a:t>;</a:t>
-            </a:r>
+            </a:br>
             <a:br>
-              <a:rPr kumimoji="0" lang="en-US" altLang="en-US" sz="1000" b="0" i="0" u="none" strike="noStrike" cap="none" normalizeH="0" baseline="0">
+              <a:rPr kumimoji="0" lang="en-US" altLang="en-US" sz="1000" b="0" i="0" u="none" strike="noStrike" cap="none" normalizeH="0" baseline="0" dirty="0">
                 <a:ln>
                   <a:noFill/>
                 </a:ln>
                 <a:solidFill>
-                  <a:srgbClr val="CC7832"/>
+                  <a:srgbClr val="A9B7C6"/>
                 </a:solidFill>
                 <a:effectLst/>
                 <a:latin typeface="JetBrains Mono"/>
               </a:rPr>
             </a:br>
             <a:r>
-              <a:rPr kumimoji="0" lang="en-US" altLang="en-US" sz="1000" b="0" i="0" u="none" strike="noStrike" cap="none" normalizeH="0" baseline="0">
+              <a:rPr kumimoji="0" lang="en-US" altLang="en-US" sz="1000" b="0" i="0" u="none" strike="noStrike" cap="none" normalizeH="0" baseline="0" dirty="0">
                 <a:ln>
                   <a:noFill/>
                 </a:ln>
                 <a:solidFill>
-                  <a:srgbClr val="CC7832"/>
+                  <a:srgbClr val="A9B7C6"/>
                 </a:solidFill>
                 <a:effectLst/>
                 <a:latin typeface="JetBrains Mono"/>
               </a:rPr>
-              <a:t>        </a:t>
-            </a:r>
-            <a:r>
-              <a:rPr kumimoji="0" lang="en-US" altLang="en-US" sz="1000" b="0" i="0" u="none" strike="noStrike" cap="none" normalizeH="0" baseline="0">
+              <a:t>    </a:t>
+            </a:r>
+            <a:r>
+              <a:rPr kumimoji="0" lang="en-US" altLang="en-US" sz="1000" b="0" i="0" u="none" strike="noStrike" cap="none" normalizeH="0" baseline="0" dirty="0">
                 <a:ln>
                   <a:noFill/>
                 </a:ln>
                 <a:solidFill>
-                  <a:srgbClr val="A9B7C6"/>
+                  <a:srgbClr val="CC7832"/>
                 </a:solidFill>
                 <a:effectLst/>
                 <a:latin typeface="JetBrains Mono"/>
               </a:rPr>
-              <a:t>LoanCalc carloan=</a:t>
-            </a:r>
-            <a:r>
-              <a:rPr kumimoji="0" lang="en-US" altLang="en-US" sz="1000" b="0" i="0" u="none" strike="noStrike" cap="none" normalizeH="0" baseline="0">
+              <a:t>public static void </a:t>
+            </a:r>
+            <a:r>
+              <a:rPr kumimoji="0" lang="en-US" altLang="en-US" sz="1000" b="0" i="0" u="none" strike="noStrike" cap="none" normalizeH="0" baseline="0" dirty="0">
                 <a:ln>
                   <a:noFill/>
                 </a:ln>
                 <a:solidFill>
-                  <a:srgbClr val="CC7832"/>
+                  <a:srgbClr val="A9B7C6"/>
                 </a:solidFill>
                 <a:effectLst/>
                 <a:latin typeface="JetBrains Mono"/>
               </a:rPr>
-              <a:t>new </a:t>
-            </a:r>
-            <a:r>
-              <a:rPr kumimoji="0" lang="en-US" altLang="en-US" sz="1000" b="0" i="0" u="none" strike="noStrike" cap="none" normalizeH="0" baseline="0">
+              <a:t>main(String </a:t>
+            </a:r>
+            <a:r>
+              <a:rPr kumimoji="0" lang="en-US" altLang="en-US" sz="1000" b="0" i="0" u="none" strike="noStrike" cap="none" normalizeH="0" baseline="0" dirty="0" err="1">
                 <a:ln>
                   <a:noFill/>
                 </a:ln>
@@ -8485,23 +8487,23 @@
                 <a:effectLst/>
                 <a:latin typeface="JetBrains Mono"/>
               </a:rPr>
-              <a:t>LoanCalc(y</a:t>
-            </a:r>
-            <a:r>
-              <a:rPr kumimoji="0" lang="en-US" altLang="en-US" sz="1000" b="0" i="0" u="none" strike="noStrike" cap="none" normalizeH="0" baseline="0">
+              <a:t>ar</a:t>
+            </a:r>
+            <a:r>
+              <a:rPr kumimoji="0" lang="en-US" altLang="en-US" sz="1000" b="0" i="0" u="none" strike="noStrike" cap="none" normalizeH="0" baseline="0" dirty="0">
                 <a:ln>
                   <a:noFill/>
                 </a:ln>
                 <a:solidFill>
-                  <a:srgbClr val="CC7832"/>
+                  <a:srgbClr val="A9B7C6"/>
                 </a:solidFill>
                 <a:effectLst/>
                 <a:latin typeface="JetBrains Mono"/>
               </a:rPr>
-              <a:t>,</a:t>
-            </a:r>
-            <a:r>
-              <a:rPr kumimoji="0" lang="en-US" altLang="en-US" sz="1000" b="0" i="0" u="none" strike="noStrike" cap="none" normalizeH="0" baseline="0">
+              <a:t>[]){</a:t>
+            </a:r>
+            <a:br>
+              <a:rPr kumimoji="0" lang="en-US" altLang="en-US" sz="1000" b="0" i="0" u="none" strike="noStrike" cap="none" normalizeH="0" baseline="0" dirty="0">
                 <a:ln>
                   <a:noFill/>
                 </a:ln>
@@ -8511,61 +8513,61 @@
                 <a:effectLst/>
                 <a:latin typeface="JetBrains Mono"/>
               </a:rPr>
-              <a:t>r</a:t>
-            </a:r>
-            <a:r>
-              <a:rPr kumimoji="0" lang="en-US" altLang="en-US" sz="1000" b="0" i="0" u="none" strike="noStrike" cap="none" normalizeH="0" baseline="0">
+            </a:br>
+            <a:r>
+              <a:rPr kumimoji="0" lang="en-US" altLang="en-US" sz="1000" b="0" i="0" u="none" strike="noStrike" cap="none" normalizeH="0" baseline="0" dirty="0">
                 <a:ln>
                   <a:noFill/>
                 </a:ln>
                 <a:solidFill>
-                  <a:srgbClr val="CC7832"/>
+                  <a:srgbClr val="A9B7C6"/>
                 </a:solidFill>
                 <a:effectLst/>
                 <a:latin typeface="JetBrains Mono"/>
               </a:rPr>
-              <a:t>,</a:t>
-            </a:r>
-            <a:r>
-              <a:rPr kumimoji="0" lang="en-US" altLang="en-US" sz="1000" b="0" i="0" u="none" strike="noStrike" cap="none" normalizeH="0" baseline="0">
+              <a:t>        </a:t>
+            </a:r>
+            <a:r>
+              <a:rPr kumimoji="0" lang="en-US" altLang="en-US" sz="1000" b="0" i="0" u="none" strike="noStrike" cap="none" normalizeH="0" baseline="0" dirty="0">
                 <a:ln>
                   <a:noFill/>
                 </a:ln>
                 <a:solidFill>
-                  <a:srgbClr val="A9B7C6"/>
+                  <a:srgbClr val="CC7832"/>
                 </a:solidFill>
                 <a:effectLst/>
                 <a:latin typeface="JetBrains Mono"/>
               </a:rPr>
-              <a:t>a)</a:t>
-            </a:r>
-            <a:r>
-              <a:rPr kumimoji="0" lang="en-US" altLang="en-US" sz="1000" b="0" i="0" u="none" strike="noStrike" cap="none" normalizeH="0" baseline="0">
+              <a:t>int </a:t>
+            </a:r>
+            <a:r>
+              <a:rPr kumimoji="0" lang="en-US" altLang="en-US" sz="1000" b="0" i="0" u="none" strike="noStrike" cap="none" normalizeH="0" baseline="0" dirty="0">
                 <a:ln>
                   <a:noFill/>
                 </a:ln>
                 <a:solidFill>
-                  <a:srgbClr val="CC7832"/>
+                  <a:srgbClr val="A9B7C6"/>
                 </a:solidFill>
                 <a:effectLst/>
                 <a:latin typeface="JetBrains Mono"/>
               </a:rPr>
-              <a:t>;</a:t>
-            </a:r>
-            <a:br>
-              <a:rPr kumimoji="0" lang="en-US" altLang="en-US" sz="1000" b="0" i="0" u="none" strike="noStrike" cap="none" normalizeH="0" baseline="0">
+              <a:t>y=</a:t>
+            </a:r>
+            <a:r>
+              <a:rPr kumimoji="0" lang="en-US" altLang="en-US" sz="1000" b="0" i="0" u="none" strike="noStrike" cap="none" normalizeH="0" baseline="0" dirty="0">
                 <a:ln>
                   <a:noFill/>
                 </a:ln>
                 <a:solidFill>
-                  <a:srgbClr val="CC7832"/>
+                  <a:srgbClr val="6897BB"/>
                 </a:solidFill>
                 <a:effectLst/>
                 <a:latin typeface="JetBrains Mono"/>
               </a:rPr>
-            </a:br>
-            <a:r>
-              <a:rPr kumimoji="0" lang="en-US" altLang="en-US" sz="1000" b="0" i="0" u="none" strike="noStrike" cap="none" normalizeH="0" baseline="0">
+              <a:t>7</a:t>
+            </a:r>
+            <a:r>
+              <a:rPr kumimoji="0" lang="en-US" altLang="en-US" sz="1000" b="0" i="0" u="none" strike="noStrike" cap="none" normalizeH="0" baseline="0" dirty="0">
                 <a:ln>
                   <a:noFill/>
                 </a:ln>
@@ -8575,10 +8577,10 @@
                 <a:effectLst/>
                 <a:latin typeface="JetBrains Mono"/>
               </a:rPr>
-              <a:t>        double </a:t>
-            </a:r>
-            <a:r>
-              <a:rPr kumimoji="0" lang="en-US" altLang="en-US" sz="1000" b="0" i="0" u="none" strike="noStrike" cap="none" normalizeH="0" baseline="0">
+              <a:t>;int </a:t>
+            </a:r>
+            <a:r>
+              <a:rPr kumimoji="0" lang="en-US" altLang="en-US" sz="1000" b="0" i="0" u="none" strike="noStrike" cap="none" normalizeH="0" baseline="0" dirty="0">
                 <a:ln>
                   <a:noFill/>
                 </a:ln>
@@ -8588,23 +8590,23 @@
                 <a:effectLst/>
                 <a:latin typeface="JetBrains Mono"/>
               </a:rPr>
-              <a:t>p=carloan.ammortize()</a:t>
-            </a:r>
-            <a:r>
-              <a:rPr kumimoji="0" lang="en-US" altLang="en-US" sz="1000" b="0" i="0" u="none" strike="noStrike" cap="none" normalizeH="0" baseline="0">
+              <a:t>r=</a:t>
+            </a:r>
+            <a:r>
+              <a:rPr kumimoji="0" lang="en-US" altLang="en-US" sz="1000" b="0" i="0" u="none" strike="noStrike" cap="none" normalizeH="0" baseline="0" dirty="0">
                 <a:ln>
                   <a:noFill/>
                 </a:ln>
                 <a:solidFill>
-                  <a:srgbClr val="CC7832"/>
+                  <a:srgbClr val="6897BB"/>
                 </a:solidFill>
                 <a:effectLst/>
                 <a:latin typeface="JetBrains Mono"/>
               </a:rPr>
-              <a:t>;</a:t>
-            </a:r>
-            <a:br>
-              <a:rPr kumimoji="0" lang="en-US" altLang="en-US" sz="1000" b="0" i="0" u="none" strike="noStrike" cap="none" normalizeH="0" baseline="0">
+              <a:t>3</a:t>
+            </a:r>
+            <a:r>
+              <a:rPr kumimoji="0" lang="en-US" altLang="en-US" sz="1000" b="0" i="0" u="none" strike="noStrike" cap="none" normalizeH="0" baseline="0" dirty="0">
                 <a:ln>
                   <a:noFill/>
                 </a:ln>
@@ -8614,48 +8616,49 @@
                 <a:effectLst/>
                 <a:latin typeface="JetBrains Mono"/>
               </a:rPr>
-            </a:br>
-            <a:r>
-              <a:rPr kumimoji="0" lang="en-US" altLang="en-US" sz="1000" b="0" i="0" u="none" strike="noStrike" cap="none" normalizeH="0" baseline="0">
+              <a:t>;double </a:t>
+            </a:r>
+            <a:r>
+              <a:rPr kumimoji="0" lang="en-US" altLang="en-US" sz="1000" b="0" i="0" u="none" strike="noStrike" cap="none" normalizeH="0" baseline="0" dirty="0">
                 <a:ln>
                   <a:noFill/>
                 </a:ln>
                 <a:solidFill>
-                  <a:srgbClr val="CC7832"/>
+                  <a:srgbClr val="A9B7C6"/>
                 </a:solidFill>
                 <a:effectLst/>
                 <a:latin typeface="JetBrains Mono"/>
               </a:rPr>
-              <a:t>        </a:t>
-            </a:r>
-            <a:r>
-              <a:rPr kumimoji="0" lang="en-US" altLang="en-US" sz="1000" b="0" i="0" u="none" strike="noStrike" cap="none" normalizeH="0" baseline="0">
+              <a:t>a=</a:t>
+            </a:r>
+            <a:r>
+              <a:rPr kumimoji="0" lang="en-US" altLang="en-US" sz="1000" b="0" i="0" u="none" strike="noStrike" cap="none" normalizeH="0" baseline="0" dirty="0">
                 <a:ln>
                   <a:noFill/>
                 </a:ln>
                 <a:solidFill>
-                  <a:srgbClr val="A9B7C6"/>
+                  <a:srgbClr val="6897BB"/>
                 </a:solidFill>
                 <a:effectLst/>
                 <a:latin typeface="JetBrains Mono"/>
               </a:rPr>
-              <a:t>System.out.println(String.format(</a:t>
-            </a:r>
-            <a:r>
-              <a:rPr kumimoji="0" lang="en-US" altLang="en-US" sz="1000" b="0" i="0" u="none" strike="noStrike" cap="none" normalizeH="0" baseline="0">
+              <a:t>10000</a:t>
+            </a:r>
+            <a:r>
+              <a:rPr kumimoji="0" lang="en-US" altLang="en-US" sz="1000" b="0" i="0" u="none" strike="noStrike" cap="none" normalizeH="0" baseline="0" dirty="0">
                 <a:ln>
                   <a:noFill/>
                 </a:ln>
                 <a:solidFill>
-                  <a:srgbClr val="6A8759"/>
+                  <a:srgbClr val="CC7832"/>
                 </a:solidFill>
                 <a:effectLst/>
                 <a:latin typeface="JetBrains Mono"/>
               </a:rPr>
-              <a:t>"monthly paymets on %3.2f for %dyrs at %d%% is %3.2f"</a:t>
-            </a:r>
-            <a:r>
-              <a:rPr kumimoji="0" lang="en-US" altLang="en-US" sz="1000" b="0" i="0" u="none" strike="noStrike" cap="none" normalizeH="0" baseline="0">
+              <a:t>;</a:t>
+            </a:r>
+            <a:br>
+              <a:rPr kumimoji="0" lang="en-US" altLang="en-US" sz="1000" b="0" i="0" u="none" strike="noStrike" cap="none" normalizeH="0" baseline="0" dirty="0">
                 <a:ln>
                   <a:noFill/>
                 </a:ln>
@@ -8665,36 +8668,35 @@
                 <a:effectLst/>
                 <a:latin typeface="JetBrains Mono"/>
               </a:rPr>
-              <a:t>,</a:t>
-            </a:r>
-            <a:r>
-              <a:rPr kumimoji="0" lang="en-US" altLang="en-US" sz="1000" b="0" i="0" u="none" strike="noStrike" cap="none" normalizeH="0" baseline="0">
+            </a:br>
+            <a:r>
+              <a:rPr kumimoji="0" lang="en-US" altLang="en-US" sz="1000" b="0" i="0" u="none" strike="noStrike" cap="none" normalizeH="0" baseline="0" dirty="0">
                 <a:ln>
                   <a:noFill/>
                 </a:ln>
                 <a:solidFill>
-                  <a:srgbClr val="A9B7C6"/>
+                  <a:srgbClr val="CC7832"/>
                 </a:solidFill>
                 <a:effectLst/>
                 <a:latin typeface="JetBrains Mono"/>
               </a:rPr>
-              <a:t>a</a:t>
-            </a:r>
-            <a:r>
-              <a:rPr kumimoji="0" lang="en-US" altLang="en-US" sz="1000" b="0" i="0" u="none" strike="noStrike" cap="none" normalizeH="0" baseline="0">
+              <a:t>        </a:t>
+            </a:r>
+            <a:r>
+              <a:rPr kumimoji="0" lang="en-US" altLang="en-US" sz="1000" b="0" i="0" u="none" strike="noStrike" cap="none" normalizeH="0" baseline="0" dirty="0" err="1">
                 <a:ln>
                   <a:noFill/>
                 </a:ln>
                 <a:solidFill>
-                  <a:srgbClr val="CC7832"/>
+                  <a:srgbClr val="A9B7C6"/>
                 </a:solidFill>
                 <a:effectLst/>
                 <a:latin typeface="JetBrains Mono"/>
               </a:rPr>
-              <a:t>,</a:t>
-            </a:r>
-            <a:r>
-              <a:rPr kumimoji="0" lang="en-US" altLang="en-US" sz="1000" b="0" i="0" u="none" strike="noStrike" cap="none" normalizeH="0" baseline="0">
+              <a:t>LoanCalc</a:t>
+            </a:r>
+            <a:r>
+              <a:rPr kumimoji="0" lang="en-US" altLang="en-US" sz="1000" b="0" i="0" u="none" strike="noStrike" cap="none" normalizeH="0" baseline="0" dirty="0">
                 <a:ln>
                   <a:noFill/>
                 </a:ln>
@@ -8704,23 +8706,23 @@
                 <a:effectLst/>
                 <a:latin typeface="JetBrains Mono"/>
               </a:rPr>
-              <a:t>y</a:t>
-            </a:r>
-            <a:r>
-              <a:rPr kumimoji="0" lang="en-US" altLang="en-US" sz="1000" b="0" i="0" u="none" strike="noStrike" cap="none" normalizeH="0" baseline="0">
+              <a:t> </a:t>
+            </a:r>
+            <a:r>
+              <a:rPr kumimoji="0" lang="en-US" altLang="en-US" sz="1000" b="0" i="0" u="none" strike="noStrike" cap="none" normalizeH="0" baseline="0" dirty="0" err="1">
                 <a:ln>
                   <a:noFill/>
                 </a:ln>
                 <a:solidFill>
-                  <a:srgbClr val="CC7832"/>
+                  <a:srgbClr val="A9B7C6"/>
                 </a:solidFill>
                 <a:effectLst/>
                 <a:latin typeface="JetBrains Mono"/>
               </a:rPr>
-              <a:t>,</a:t>
-            </a:r>
-            <a:r>
-              <a:rPr kumimoji="0" lang="en-US" altLang="en-US" sz="1000" b="0" i="0" u="none" strike="noStrike" cap="none" normalizeH="0" baseline="0">
+              <a:t>carloan</a:t>
+            </a:r>
+            <a:r>
+              <a:rPr kumimoji="0" lang="en-US" altLang="en-US" sz="1000" b="0" i="0" u="none" strike="noStrike" cap="none" normalizeH="0" baseline="0" dirty="0">
                 <a:ln>
                   <a:noFill/>
                 </a:ln>
@@ -8730,10 +8732,10 @@
                 <a:effectLst/>
                 <a:latin typeface="JetBrains Mono"/>
               </a:rPr>
-              <a:t>r</a:t>
-            </a:r>
-            <a:r>
-              <a:rPr kumimoji="0" lang="en-US" altLang="en-US" sz="1000" b="0" i="0" u="none" strike="noStrike" cap="none" normalizeH="0" baseline="0">
+              <a:t>=</a:t>
+            </a:r>
+            <a:r>
+              <a:rPr kumimoji="0" lang="en-US" altLang="en-US" sz="1000" b="0" i="0" u="none" strike="noStrike" cap="none" normalizeH="0" baseline="0" dirty="0">
                 <a:ln>
                   <a:noFill/>
                 </a:ln>
@@ -8743,10 +8745,10 @@
                 <a:effectLst/>
                 <a:latin typeface="JetBrains Mono"/>
               </a:rPr>
-              <a:t>,</a:t>
-            </a:r>
-            <a:r>
-              <a:rPr kumimoji="0" lang="en-US" altLang="en-US" sz="1000" b="0" i="0" u="none" strike="noStrike" cap="none" normalizeH="0" baseline="0">
+              <a:t>new </a:t>
+            </a:r>
+            <a:r>
+              <a:rPr kumimoji="0" lang="en-US" altLang="en-US" sz="1000" b="0" i="0" u="none" strike="noStrike" cap="none" normalizeH="0" baseline="0" dirty="0" err="1">
                 <a:ln>
                   <a:noFill/>
                 </a:ln>
@@ -8756,35 +8758,36 @@
                 <a:effectLst/>
                 <a:latin typeface="JetBrains Mono"/>
               </a:rPr>
-              <a:t>p))</a:t>
-            </a:r>
-            <a:r>
-              <a:rPr kumimoji="0" lang="en-US" altLang="en-US" sz="1000" b="0" i="0" u="none" strike="noStrike" cap="none" normalizeH="0" baseline="0">
+              <a:t>LoanCalc</a:t>
+            </a:r>
+            <a:r>
+              <a:rPr kumimoji="0" lang="en-US" altLang="en-US" sz="1000" b="0" i="0" u="none" strike="noStrike" cap="none" normalizeH="0" baseline="0" dirty="0">
                 <a:ln>
                   <a:noFill/>
                 </a:ln>
                 <a:solidFill>
-                  <a:srgbClr val="CC7832"/>
+                  <a:srgbClr val="A9B7C6"/>
                 </a:solidFill>
                 <a:effectLst/>
                 <a:latin typeface="JetBrains Mono"/>
               </a:rPr>
-              <a:t>;</a:t>
-            </a:r>
-            <a:br>
-              <a:rPr kumimoji="0" lang="en-US" altLang="en-US" sz="1000" b="0" i="0" u="none" strike="noStrike" cap="none" normalizeH="0" baseline="0">
+              <a:t>(</a:t>
+            </a:r>
+            <a:r>
+              <a:rPr kumimoji="0" lang="en-US" altLang="en-US" sz="1000" b="0" i="0" u="none" strike="noStrike" cap="none" normalizeH="0" baseline="0" dirty="0" err="1">
                 <a:ln>
                   <a:noFill/>
                 </a:ln>
                 <a:solidFill>
-                  <a:srgbClr val="CC7832"/>
+                  <a:srgbClr val="A9B7C6"/>
                 </a:solidFill>
                 <a:effectLst/>
                 <a:latin typeface="JetBrains Mono"/>
               </a:rPr>
-            </a:br>
-            <a:r>
-              <a:rPr kumimoji="0" lang="en-US" altLang="en-US" sz="1000" b="0" i="0" u="none" strike="noStrike" cap="none" normalizeH="0" baseline="0">
+              <a:t>y</a:t>
+            </a:r>
+            <a:r>
+              <a:rPr kumimoji="0" lang="en-US" altLang="en-US" sz="1000" b="0" i="0" u="none" strike="noStrike" cap="none" normalizeH="0" baseline="0" dirty="0" err="1">
                 <a:ln>
                   <a:noFill/>
                 </a:ln>
@@ -8794,10 +8797,10 @@
                 <a:effectLst/>
                 <a:latin typeface="JetBrains Mono"/>
               </a:rPr>
-              <a:t>    </a:t>
-            </a:r>
-            <a:r>
-              <a:rPr kumimoji="0" lang="en-US" altLang="en-US" sz="1000" b="0" i="0" u="none" strike="noStrike" cap="none" normalizeH="0" baseline="0">
+              <a:t>,</a:t>
+            </a:r>
+            <a:r>
+              <a:rPr kumimoji="0" lang="en-US" altLang="en-US" sz="1000" b="0" i="0" u="none" strike="noStrike" cap="none" normalizeH="0" baseline="0" dirty="0" err="1">
                 <a:ln>
                   <a:noFill/>
                 </a:ln>
@@ -8807,22 +8810,23 @@
                 <a:effectLst/>
                 <a:latin typeface="JetBrains Mono"/>
               </a:rPr>
-              <a:t>}</a:t>
-            </a:r>
-            <a:br>
-              <a:rPr kumimoji="0" lang="en-US" altLang="en-US" sz="1000" b="0" i="0" u="none" strike="noStrike" cap="none" normalizeH="0" baseline="0">
+              <a:t>r</a:t>
+            </a:r>
+            <a:r>
+              <a:rPr kumimoji="0" lang="en-US" altLang="en-US" sz="1000" b="0" i="0" u="none" strike="noStrike" cap="none" normalizeH="0" baseline="0" dirty="0" err="1">
                 <a:ln>
                   <a:noFill/>
                 </a:ln>
                 <a:solidFill>
-                  <a:srgbClr val="A9B7C6"/>
+                  <a:srgbClr val="CC7832"/>
                 </a:solidFill>
                 <a:effectLst/>
                 <a:latin typeface="JetBrains Mono"/>
               </a:rPr>
-            </a:br>
-            <a:r>
-              <a:rPr kumimoji="0" lang="en-US" altLang="en-US" sz="1000" b="0" i="0" u="none" strike="noStrike" cap="none" normalizeH="0" baseline="0">
+              <a:t>,</a:t>
+            </a:r>
+            <a:r>
+              <a:rPr kumimoji="0" lang="en-US" altLang="en-US" sz="1000" b="0" i="0" u="none" strike="noStrike" cap="none" normalizeH="0" baseline="0" dirty="0" err="1">
                 <a:ln>
                   <a:noFill/>
                 </a:ln>
@@ -8832,9 +8836,408 @@
                 <a:effectLst/>
                 <a:latin typeface="JetBrains Mono"/>
               </a:rPr>
+              <a:t>a</a:t>
+            </a:r>
+            <a:r>
+              <a:rPr kumimoji="0" lang="en-US" altLang="en-US" sz="1000" b="0" i="0" u="none" strike="noStrike" cap="none" normalizeH="0" baseline="0" dirty="0">
+                <a:ln>
+                  <a:noFill/>
+                </a:ln>
+                <a:solidFill>
+                  <a:srgbClr val="A9B7C6"/>
+                </a:solidFill>
+                <a:effectLst/>
+                <a:latin typeface="JetBrains Mono"/>
+              </a:rPr>
+              <a:t>)</a:t>
+            </a:r>
+            <a:r>
+              <a:rPr kumimoji="0" lang="en-US" altLang="en-US" sz="1000" b="0" i="0" u="none" strike="noStrike" cap="none" normalizeH="0" baseline="0" dirty="0">
+                <a:ln>
+                  <a:noFill/>
+                </a:ln>
+                <a:solidFill>
+                  <a:srgbClr val="CC7832"/>
+                </a:solidFill>
+                <a:effectLst/>
+                <a:latin typeface="JetBrains Mono"/>
+              </a:rPr>
+              <a:t>;</a:t>
+            </a:r>
+            <a:br>
+              <a:rPr kumimoji="0" lang="en-US" altLang="en-US" sz="1000" b="0" i="0" u="none" strike="noStrike" cap="none" normalizeH="0" baseline="0" dirty="0">
+                <a:ln>
+                  <a:noFill/>
+                </a:ln>
+                <a:solidFill>
+                  <a:srgbClr val="CC7832"/>
+                </a:solidFill>
+                <a:effectLst/>
+                <a:latin typeface="JetBrains Mono"/>
+              </a:rPr>
+            </a:br>
+            <a:r>
+              <a:rPr kumimoji="0" lang="en-US" altLang="en-US" sz="1000" b="0" i="0" u="none" strike="noStrike" cap="none" normalizeH="0" baseline="0" dirty="0">
+                <a:ln>
+                  <a:noFill/>
+                </a:ln>
+                <a:solidFill>
+                  <a:srgbClr val="CC7832"/>
+                </a:solidFill>
+                <a:effectLst/>
+                <a:latin typeface="JetBrains Mono"/>
+              </a:rPr>
+              <a:t>        double </a:t>
+            </a:r>
+            <a:r>
+              <a:rPr kumimoji="0" lang="en-US" altLang="en-US" sz="1000" b="0" i="0" u="none" strike="noStrike" cap="none" normalizeH="0" baseline="0" dirty="0">
+                <a:ln>
+                  <a:noFill/>
+                </a:ln>
+                <a:solidFill>
+                  <a:srgbClr val="A9B7C6"/>
+                </a:solidFill>
+                <a:effectLst/>
+                <a:latin typeface="JetBrains Mono"/>
+              </a:rPr>
+              <a:t>p=</a:t>
+            </a:r>
+            <a:r>
+              <a:rPr kumimoji="0" lang="en-US" altLang="en-US" sz="1000" b="0" i="0" u="none" strike="noStrike" cap="none" normalizeH="0" baseline="0" dirty="0" err="1">
+                <a:ln>
+                  <a:noFill/>
+                </a:ln>
+                <a:solidFill>
+                  <a:srgbClr val="A9B7C6"/>
+                </a:solidFill>
+                <a:effectLst/>
+                <a:latin typeface="JetBrains Mono"/>
+              </a:rPr>
+              <a:t>carloan.ammortize</a:t>
+            </a:r>
+            <a:r>
+              <a:rPr kumimoji="0" lang="en-US" altLang="en-US" sz="1000" b="0" i="0" u="none" strike="noStrike" cap="none" normalizeH="0" baseline="0" dirty="0">
+                <a:ln>
+                  <a:noFill/>
+                </a:ln>
+                <a:solidFill>
+                  <a:srgbClr val="A9B7C6"/>
+                </a:solidFill>
+                <a:effectLst/>
+                <a:latin typeface="JetBrains Mono"/>
+              </a:rPr>
+              <a:t>()</a:t>
+            </a:r>
+            <a:r>
+              <a:rPr kumimoji="0" lang="en-US" altLang="en-US" sz="1000" b="0" i="0" u="none" strike="noStrike" cap="none" normalizeH="0" baseline="0" dirty="0">
+                <a:ln>
+                  <a:noFill/>
+                </a:ln>
+                <a:solidFill>
+                  <a:srgbClr val="CC7832"/>
+                </a:solidFill>
+                <a:effectLst/>
+                <a:latin typeface="JetBrains Mono"/>
+              </a:rPr>
+              <a:t>;</a:t>
+            </a:r>
+            <a:br>
+              <a:rPr kumimoji="0" lang="en-US" altLang="en-US" sz="1000" b="0" i="0" u="none" strike="noStrike" cap="none" normalizeH="0" baseline="0" dirty="0">
+                <a:ln>
+                  <a:noFill/>
+                </a:ln>
+                <a:solidFill>
+                  <a:srgbClr val="CC7832"/>
+                </a:solidFill>
+                <a:effectLst/>
+                <a:latin typeface="JetBrains Mono"/>
+              </a:rPr>
+            </a:br>
+            <a:r>
+              <a:rPr kumimoji="0" lang="en-US" altLang="en-US" sz="1000" b="0" i="0" u="none" strike="noStrike" cap="none" normalizeH="0" baseline="0" dirty="0">
+                <a:ln>
+                  <a:noFill/>
+                </a:ln>
+                <a:solidFill>
+                  <a:srgbClr val="CC7832"/>
+                </a:solidFill>
+                <a:effectLst/>
+                <a:latin typeface="JetBrains Mono"/>
+              </a:rPr>
+              <a:t>        </a:t>
+            </a:r>
+            <a:r>
+              <a:rPr kumimoji="0" lang="en-US" altLang="en-US" sz="1000" b="0" i="0" u="none" strike="noStrike" cap="none" normalizeH="0" baseline="0" dirty="0" err="1">
+                <a:ln>
+                  <a:noFill/>
+                </a:ln>
+                <a:solidFill>
+                  <a:srgbClr val="A9B7C6"/>
+                </a:solidFill>
+                <a:effectLst/>
+                <a:latin typeface="JetBrains Mono"/>
+              </a:rPr>
+              <a:t>System.out.println</a:t>
+            </a:r>
+            <a:r>
+              <a:rPr kumimoji="0" lang="en-US" altLang="en-US" sz="1000" b="0" i="0" u="none" strike="noStrike" cap="none" normalizeH="0" baseline="0" dirty="0">
+                <a:ln>
+                  <a:noFill/>
+                </a:ln>
+                <a:solidFill>
+                  <a:srgbClr val="A9B7C6"/>
+                </a:solidFill>
+                <a:effectLst/>
+                <a:latin typeface="JetBrains Mono"/>
+              </a:rPr>
+              <a:t>(</a:t>
+            </a:r>
+            <a:r>
+              <a:rPr kumimoji="0" lang="en-US" altLang="en-US" sz="1000" b="0" i="0" u="none" strike="noStrike" cap="none" normalizeH="0" baseline="0" dirty="0" err="1">
+                <a:ln>
+                  <a:noFill/>
+                </a:ln>
+                <a:solidFill>
+                  <a:srgbClr val="A9B7C6"/>
+                </a:solidFill>
+                <a:effectLst/>
+                <a:latin typeface="JetBrains Mono"/>
+              </a:rPr>
+              <a:t>String.format</a:t>
+            </a:r>
+            <a:r>
+              <a:rPr kumimoji="0" lang="en-US" altLang="en-US" sz="1000" b="0" i="0" u="none" strike="noStrike" cap="none" normalizeH="0" baseline="0" dirty="0">
+                <a:ln>
+                  <a:noFill/>
+                </a:ln>
+                <a:solidFill>
+                  <a:srgbClr val="A9B7C6"/>
+                </a:solidFill>
+                <a:effectLst/>
+                <a:latin typeface="JetBrains Mono"/>
+              </a:rPr>
+              <a:t>(</a:t>
+            </a:r>
+            <a:r>
+              <a:rPr kumimoji="0" lang="en-US" altLang="en-US" sz="1000" b="0" i="0" u="none" strike="noStrike" cap="none" normalizeH="0" baseline="0" dirty="0">
+                <a:ln>
+                  <a:noFill/>
+                </a:ln>
+                <a:solidFill>
+                  <a:srgbClr val="6A8759"/>
+                </a:solidFill>
+                <a:effectLst/>
+                <a:latin typeface="JetBrains Mono"/>
+              </a:rPr>
+              <a:t>"monthly payments on %3.2f for %</a:t>
+            </a:r>
+            <a:r>
+              <a:rPr kumimoji="0" lang="en-US" altLang="en-US" sz="1000" b="0" i="0" u="none" strike="noStrike" cap="none" normalizeH="0" baseline="0" dirty="0" err="1">
+                <a:ln>
+                  <a:noFill/>
+                </a:ln>
+                <a:solidFill>
+                  <a:srgbClr val="6A8759"/>
+                </a:solidFill>
+                <a:effectLst/>
+                <a:latin typeface="JetBrains Mono"/>
+              </a:rPr>
+              <a:t>dyrs</a:t>
+            </a:r>
+            <a:r>
+              <a:rPr kumimoji="0" lang="en-US" altLang="en-US" sz="1000" b="0" i="0" u="none" strike="noStrike" cap="none" normalizeH="0" baseline="0" dirty="0">
+                <a:ln>
+                  <a:noFill/>
+                </a:ln>
+                <a:solidFill>
+                  <a:srgbClr val="6A8759"/>
+                </a:solidFill>
+                <a:effectLst/>
+                <a:latin typeface="JetBrains Mono"/>
+              </a:rPr>
+              <a:t> at %d%% is %3.2f"</a:t>
+            </a:r>
+            <a:r>
+              <a:rPr kumimoji="0" lang="en-US" altLang="en-US" sz="1000" b="0" i="0" u="none" strike="noStrike" cap="none" normalizeH="0" baseline="0" dirty="0">
+                <a:ln>
+                  <a:noFill/>
+                </a:ln>
+                <a:solidFill>
+                  <a:srgbClr val="CC7832"/>
+                </a:solidFill>
+                <a:effectLst/>
+                <a:latin typeface="JetBrains Mono"/>
+              </a:rPr>
+              <a:t>,</a:t>
+            </a:r>
+            <a:r>
+              <a:rPr kumimoji="0" lang="en-US" altLang="en-US" sz="1000" b="0" i="0" u="none" strike="noStrike" cap="none" normalizeH="0" baseline="0" dirty="0">
+                <a:ln>
+                  <a:noFill/>
+                </a:ln>
+                <a:solidFill>
+                  <a:srgbClr val="A9B7C6"/>
+                </a:solidFill>
+                <a:effectLst/>
+                <a:latin typeface="JetBrains Mono"/>
+              </a:rPr>
+              <a:t>a</a:t>
+            </a:r>
+            <a:r>
+              <a:rPr kumimoji="0" lang="en-US" altLang="en-US" sz="1000" b="0" i="0" u="none" strike="noStrike" cap="none" normalizeH="0" baseline="0" dirty="0">
+                <a:ln>
+                  <a:noFill/>
+                </a:ln>
+                <a:solidFill>
+                  <a:srgbClr val="CC7832"/>
+                </a:solidFill>
+                <a:effectLst/>
+                <a:latin typeface="JetBrains Mono"/>
+              </a:rPr>
+              <a:t>,</a:t>
+            </a:r>
+            <a:r>
+              <a:rPr kumimoji="0" lang="en-US" altLang="en-US" sz="1000" b="0" i="0" u="none" strike="noStrike" cap="none" normalizeH="0" baseline="0" dirty="0">
+                <a:ln>
+                  <a:noFill/>
+                </a:ln>
+                <a:solidFill>
+                  <a:srgbClr val="A9B7C6"/>
+                </a:solidFill>
+                <a:effectLst/>
+                <a:latin typeface="JetBrains Mono"/>
+              </a:rPr>
+              <a:t>y</a:t>
+            </a:r>
+            <a:r>
+              <a:rPr kumimoji="0" lang="en-US" altLang="en-US" sz="1000" b="0" i="0" u="none" strike="noStrike" cap="none" normalizeH="0" baseline="0" dirty="0">
+                <a:ln>
+                  <a:noFill/>
+                </a:ln>
+                <a:solidFill>
+                  <a:srgbClr val="CC7832"/>
+                </a:solidFill>
+                <a:effectLst/>
+                <a:latin typeface="JetBrains Mono"/>
+              </a:rPr>
+              <a:t>,</a:t>
+            </a:r>
+            <a:r>
+              <a:rPr kumimoji="0" lang="en-US" altLang="en-US" sz="1000" b="0" i="0" u="none" strike="noStrike" cap="none" normalizeH="0" baseline="0" dirty="0">
+                <a:ln>
+                  <a:noFill/>
+                </a:ln>
+                <a:solidFill>
+                  <a:srgbClr val="A9B7C6"/>
+                </a:solidFill>
+                <a:effectLst/>
+                <a:latin typeface="JetBrains Mono"/>
+              </a:rPr>
+              <a:t>r</a:t>
+            </a:r>
+            <a:r>
+              <a:rPr kumimoji="0" lang="en-US" altLang="en-US" sz="1000" b="0" i="0" u="none" strike="noStrike" cap="none" normalizeH="0" baseline="0" dirty="0">
+                <a:ln>
+                  <a:noFill/>
+                </a:ln>
+                <a:solidFill>
+                  <a:srgbClr val="CC7832"/>
+                </a:solidFill>
+                <a:effectLst/>
+                <a:latin typeface="JetBrains Mono"/>
+              </a:rPr>
+              <a:t>,</a:t>
+            </a:r>
+            <a:r>
+              <a:rPr kumimoji="0" lang="en-US" altLang="en-US" sz="1000" b="0" i="0" u="none" strike="noStrike" cap="none" normalizeH="0" baseline="0" dirty="0">
+                <a:ln>
+                  <a:noFill/>
+                </a:ln>
+                <a:solidFill>
+                  <a:srgbClr val="A9B7C6"/>
+                </a:solidFill>
+                <a:effectLst/>
+                <a:latin typeface="JetBrains Mono"/>
+              </a:rPr>
+              <a:t>p))</a:t>
+            </a:r>
+            <a:r>
+              <a:rPr kumimoji="0" lang="en-US" altLang="en-US" sz="1000" b="0" i="0" u="none" strike="noStrike" cap="none" normalizeH="0" baseline="0" dirty="0">
+                <a:ln>
+                  <a:noFill/>
+                </a:ln>
+                <a:solidFill>
+                  <a:srgbClr val="CC7832"/>
+                </a:solidFill>
+                <a:effectLst/>
+                <a:latin typeface="JetBrains Mono"/>
+              </a:rPr>
+              <a:t>;</a:t>
+            </a:r>
+            <a:br>
+              <a:rPr kumimoji="0" lang="en-US" altLang="en-US" sz="1000" b="0" i="0" u="none" strike="noStrike" cap="none" normalizeH="0" baseline="0" dirty="0">
+                <a:ln>
+                  <a:noFill/>
+                </a:ln>
+                <a:solidFill>
+                  <a:srgbClr val="CC7832"/>
+                </a:solidFill>
+                <a:effectLst/>
+                <a:latin typeface="JetBrains Mono"/>
+              </a:rPr>
+            </a:br>
+            <a:r>
+              <a:rPr kumimoji="0" lang="en-US" altLang="en-US" sz="1000" b="0" i="0" u="none" strike="noStrike" cap="none" normalizeH="0" baseline="0" dirty="0">
+                <a:ln>
+                  <a:noFill/>
+                </a:ln>
+                <a:solidFill>
+                  <a:srgbClr val="CC7832"/>
+                </a:solidFill>
+                <a:effectLst/>
+                <a:latin typeface="JetBrains Mono"/>
+              </a:rPr>
+              <a:t>    </a:t>
+            </a:r>
+            <a:r>
+              <a:rPr kumimoji="0" lang="en-US" altLang="en-US" sz="1000" b="0" i="0" u="none" strike="noStrike" cap="none" normalizeH="0" baseline="0" dirty="0">
+                <a:ln>
+                  <a:noFill/>
+                </a:ln>
+                <a:solidFill>
+                  <a:srgbClr val="A9B7C6"/>
+                </a:solidFill>
+                <a:effectLst/>
+                <a:latin typeface="JetBrains Mono"/>
+              </a:rPr>
               <a:t>}</a:t>
             </a:r>
-            <a:endParaRPr kumimoji="0" lang="en-US" altLang="en-US" b="0" i="0" u="none" strike="noStrike" cap="none" normalizeH="0" baseline="0">
+            <a:br>
+              <a:rPr kumimoji="0" lang="en-US" altLang="en-US" sz="1000" b="0" i="0" u="none" strike="noStrike" cap="none" normalizeH="0" baseline="0" dirty="0">
+                <a:ln>
+                  <a:noFill/>
+                </a:ln>
+                <a:solidFill>
+                  <a:srgbClr val="A9B7C6"/>
+                </a:solidFill>
+                <a:effectLst/>
+                <a:latin typeface="JetBrains Mono"/>
+              </a:rPr>
+            </a:br>
+            <a:r>
+              <a:rPr kumimoji="0" lang="en-US" altLang="en-US" sz="1000" b="0" i="0" u="none" strike="noStrike" cap="none" normalizeH="0" baseline="0" dirty="0">
+                <a:ln>
+                  <a:noFill/>
+                </a:ln>
+                <a:solidFill>
+                  <a:srgbClr val="A9B7C6"/>
+                </a:solidFill>
+                <a:effectLst/>
+                <a:latin typeface="JetBrains Mono"/>
+              </a:rPr>
+              <a:t>}</a:t>
+            </a:r>
+            <a:endParaRPr kumimoji="0" lang="en-US" altLang="en-US" b="0" i="0" u="none" strike="noStrike" cap="none" normalizeH="0" baseline="0" dirty="0">
               <a:ln>
                 <a:noFill/>
               </a:ln>
@@ -9089,7 +9492,19 @@
             </a:pPr>
             <a:r>
               <a:rPr lang="en-GB" dirty="0"/>
-              <a:t> In Java the string variable is represented as a String object in the Java System package.</a:t>
+              <a:t> In Java the string variable is represented as a String object in the </a:t>
+            </a:r>
+            <a:r>
+              <a:rPr lang="en-GB" dirty="0" err="1"/>
+              <a:t>Java.lang</a:t>
+            </a:r>
+            <a:r>
+              <a:rPr lang="en-GB"/>
+              <a:t> package</a:t>
+            </a:r>
+            <a:r>
+              <a:rPr lang="en-GB" dirty="0"/>
+              <a:t>.</a:t>
             </a:r>
           </a:p>
           <a:p>
@@ -10085,7 +10500,7 @@
         <p:spPr>
           <a:xfrm>
             <a:off x="822959" y="1819374"/>
-            <a:ext cx="7543801" cy="4336330"/>
+            <a:ext cx="7543801" cy="4581426"/>
           </a:xfrm>
         </p:spPr>
         <p:txBody>
@@ -10389,6 +10804,27 @@
                 <a:latin typeface="Courier New" panose="02070309020205020404" pitchFamily="49" charset="0"/>
               </a:rPr>
               <a:t>s1.trim()</a:t>
+            </a:r>
+          </a:p>
+          <a:p>
+            <a:pPr algn="l">
+              <a:spcBef>
+                <a:spcPts val="0"/>
+              </a:spcBef>
+              <a:spcAft>
+                <a:spcPts val="1200"/>
+              </a:spcAft>
+              <a:buFont typeface="Arial" panose="020B0604020202020204" pitchFamily="34" charset="0"/>
+              <a:buChar char="•"/>
+            </a:pPr>
+            <a:r>
+              <a:rPr lang="en-US" sz="1800" dirty="0">
+                <a:solidFill>
+                  <a:srgbClr val="000000"/>
+                </a:solidFill>
+                <a:latin typeface="Courier New" panose="02070309020205020404" pitchFamily="49" charset="0"/>
+              </a:rPr>
+              <a:t>s1.format()</a:t>
             </a:r>
             <a:r>
               <a:rPr lang="en-US" sz="1800" b="0" i="0" dirty="0">
@@ -11425,6 +11861,109 @@
                                           <p:spTgt spid="6">
                                             <p:txEl>
                                               <p:pRg st="9" end="9"/>
+                                            </p:txEl>
+                                          </p:spTgt>
+                                        </p:tgtEl>
+                                        <p:attrNameLst>
+                                          <p:attrName>ppt_y</p:attrName>
+                                        </p:attrNameLst>
+                                      </p:cBhvr>
+                                      <p:tavLst>
+                                        <p:tav tm="0">
+                                          <p:val>
+                                            <p:strVal val="1+#ppt_h/2"/>
+                                          </p:val>
+                                        </p:tav>
+                                        <p:tav tm="100000">
+                                          <p:val>
+                                            <p:strVal val="#ppt_y"/>
+                                          </p:val>
+                                        </p:tav>
+                                      </p:tavLst>
+                                    </p:anim>
+                                  </p:childTnLst>
+                                </p:cTn>
+                              </p:par>
+                            </p:childTnLst>
+                          </p:cTn>
+                        </p:par>
+                      </p:childTnLst>
+                    </p:cTn>
+                  </p:par>
+                  <p:par>
+                    <p:cTn id="63" fill="hold">
+                      <p:stCondLst>
+                        <p:cond delay="indefinite"/>
+                      </p:stCondLst>
+                      <p:childTnLst>
+                        <p:par>
+                          <p:cTn id="64" fill="hold">
+                            <p:stCondLst>
+                              <p:cond delay="0"/>
+                            </p:stCondLst>
+                            <p:childTnLst>
+                              <p:par>
+                                <p:cTn id="65" presetID="2" presetClass="entr" presetSubtype="4" fill="hold" grpId="0" nodeType="clickEffect">
+                                  <p:stCondLst>
+                                    <p:cond delay="0"/>
+                                  </p:stCondLst>
+                                  <p:childTnLst>
+                                    <p:set>
+                                      <p:cBhvr>
+                                        <p:cTn id="66" dur="1" fill="hold">
+                                          <p:stCondLst>
+                                            <p:cond delay="0"/>
+                                          </p:stCondLst>
+                                        </p:cTn>
+                                        <p:tgtEl>
+                                          <p:spTgt spid="6">
+                                            <p:txEl>
+                                              <p:pRg st="10" end="10"/>
+                                            </p:txEl>
+                                          </p:spTgt>
+                                        </p:tgtEl>
+                                        <p:attrNameLst>
+                                          <p:attrName>style.visibility</p:attrName>
+                                        </p:attrNameLst>
+                                      </p:cBhvr>
+                                      <p:to>
+                                        <p:strVal val="visible"/>
+                                      </p:to>
+                                    </p:set>
+                                    <p:anim calcmode="lin" valueType="num">
+                                      <p:cBhvr additive="base">
+                                        <p:cTn id="67" dur="500" fill="hold"/>
+                                        <p:tgtEl>
+                                          <p:spTgt spid="6">
+                                            <p:txEl>
+                                              <p:pRg st="10" end="10"/>
+                                            </p:txEl>
+                                          </p:spTgt>
+                                        </p:tgtEl>
+                                        <p:attrNameLst>
+                                          <p:attrName>ppt_x</p:attrName>
+                                        </p:attrNameLst>
+                                      </p:cBhvr>
+                                      <p:tavLst>
+                                        <p:tav tm="0">
+                                          <p:val>
+                                            <p:strVal val="#ppt_x"/>
+                                          </p:val>
+                                        </p:tav>
+                                        <p:tav tm="100000">
+                                          <p:val>
+                                            <p:strVal val="#ppt_x"/>
+                                          </p:val>
+                                        </p:tav>
+                                      </p:tavLst>
+                                    </p:anim>
+                                    <p:anim calcmode="lin" valueType="num">
+                                      <p:cBhvr additive="base">
+                                        <p:cTn id="68" dur="500" fill="hold"/>
+                                        <p:tgtEl>
+                                          <p:spTgt spid="6">
+                                            <p:txEl>
+                                              <p:pRg st="10" end="10"/>
                                             </p:txEl>
                                           </p:spTgt>
                                         </p:tgtEl>
@@ -12758,7 +13297,7 @@
         </p:spPr>
         <p:txBody>
           <a:bodyPr vert="horz" lIns="0" tIns="45720" rIns="0" bIns="45720" rtlCol="0">
-            <a:normAutofit lnSpcReduction="10000"/>
+            <a:normAutofit fontScale="77500" lnSpcReduction="20000"/>
           </a:bodyPr>
           <a:lstStyle>
             <a:lvl1pPr marL="91440" indent="-91440" algn="l" defTabSz="914400" rtl="0" eaLnBrk="1" latinLnBrk="0" hangingPunct="1">
@@ -13019,7 +13558,7 @@
               <a:rPr lang="en-GB" dirty="0">
                 <a:hlinkClick r:id="rId4"/>
               </a:rPr>
-              <a:t>https://docs.oracle.com/javase/tutorial/</a:t>
+              <a:t>The Java Tutorial</a:t>
             </a:r>
             <a:endParaRPr lang="en-GB" dirty="0"/>
           </a:p>
@@ -13036,7 +13575,7 @@
               <a:rPr lang="en-GB" dirty="0">
                 <a:hlinkClick r:id="rId5"/>
               </a:rPr>
-              <a:t>https://docs.oracle.com/javase/8/docs/api/</a:t>
+              <a:t>Java API documentation</a:t>
             </a:r>
             <a:endParaRPr lang="en-GB" dirty="0"/>
           </a:p>
@@ -13053,7 +13592,7 @@
               <a:rPr lang="en-GB" dirty="0">
                 <a:hlinkClick r:id="rId6"/>
               </a:rPr>
-              <a:t>Link to today’s Session  </a:t>
+              <a:t>Link to today’s Session screencast  </a:t>
             </a:r>
             <a:endParaRPr lang="en-GB" dirty="0"/>
           </a:p>
@@ -13070,7 +13609,24 @@
               <a:rPr lang="en-GB" dirty="0">
                 <a:hlinkClick r:id="rId7"/>
               </a:rPr>
-              <a:t>Link to Group Padlet</a:t>
+              <a:t>Link to John’s Group Padlet</a:t>
+            </a:r>
+            <a:endParaRPr lang="en-GB" dirty="0"/>
+          </a:p>
+          <a:p>
+            <a:pPr>
+              <a:buFont typeface="Wingdings" panose="05000000000000000000" pitchFamily="2" charset="2"/>
+              <a:buChar char="v"/>
+            </a:pPr>
+            <a:r>
+              <a:rPr lang="en-GB" dirty="0"/>
+              <a:t> </a:t>
+            </a:r>
+            <a:r>
+              <a:rPr lang="en-GB" dirty="0">
+                <a:hlinkClick r:id="rId8"/>
+              </a:rPr>
+              <a:t>Link to Kelly’s Group Padlet</a:t>
             </a:r>
             <a:endParaRPr lang="en-GB" dirty="0"/>
           </a:p>
@@ -13086,7 +13642,7 @@
       <p:pic>
         <p:nvPicPr>
           <p:cNvPr id="1028" name="Picture 4">
-            <a:hlinkClick r:id="rId8"/>
+            <a:hlinkClick r:id="rId9"/>
             <a:extLst>
               <a:ext uri="{FF2B5EF4-FFF2-40B4-BE49-F238E27FC236}">
                 <a16:creationId xmlns:a16="http://schemas.microsoft.com/office/drawing/2014/main" id="{2804B4FC-958E-40C2-BD69-0321299F6DA2}"/>
@@ -13101,7 +13657,7 @@
           </p:nvPr>
         </p:nvPicPr>
         <p:blipFill>
-          <a:blip r:embed="rId9">
+          <a:blip r:embed="rId10">
             <a:extLst>
               <a:ext uri="{28A0092B-C50C-407E-A947-70E740481C1C}">
                 <a14:useLocalDpi xmlns:a14="http://schemas.microsoft.com/office/drawing/2010/main" val="0"/>
@@ -13537,6 +14093,109 @@
                                           <p:spTgt spid="8">
                                             <p:txEl>
                                               <p:pRg st="3" end="3"/>
+                                            </p:txEl>
+                                          </p:spTgt>
+                                        </p:tgtEl>
+                                        <p:attrNameLst>
+                                          <p:attrName>ppt_y</p:attrName>
+                                        </p:attrNameLst>
+                                      </p:cBhvr>
+                                      <p:tavLst>
+                                        <p:tav tm="0">
+                                          <p:val>
+                                            <p:strVal val="1+#ppt_h/2"/>
+                                          </p:val>
+                                        </p:tav>
+                                        <p:tav tm="100000">
+                                          <p:val>
+                                            <p:strVal val="#ppt_y"/>
+                                          </p:val>
+                                        </p:tav>
+                                      </p:tavLst>
+                                    </p:anim>
+                                  </p:childTnLst>
+                                </p:cTn>
+                              </p:par>
+                            </p:childTnLst>
+                          </p:cTn>
+                        </p:par>
+                      </p:childTnLst>
+                    </p:cTn>
+                  </p:par>
+                  <p:par>
+                    <p:cTn id="27" fill="hold">
+                      <p:stCondLst>
+                        <p:cond delay="indefinite"/>
+                      </p:stCondLst>
+                      <p:childTnLst>
+                        <p:par>
+                          <p:cTn id="28" fill="hold">
+                            <p:stCondLst>
+                              <p:cond delay="0"/>
+                            </p:stCondLst>
+                            <p:childTnLst>
+                              <p:par>
+                                <p:cTn id="29" presetID="2" presetClass="entr" presetSubtype="4" fill="hold" grpId="0" nodeType="clickEffect">
+                                  <p:stCondLst>
+                                    <p:cond delay="0"/>
+                                  </p:stCondLst>
+                                  <p:childTnLst>
+                                    <p:set>
+                                      <p:cBhvr>
+                                        <p:cTn id="30" dur="1" fill="hold">
+                                          <p:stCondLst>
+                                            <p:cond delay="0"/>
+                                          </p:stCondLst>
+                                        </p:cTn>
+                                        <p:tgtEl>
+                                          <p:spTgt spid="8">
+                                            <p:txEl>
+                                              <p:pRg st="4" end="4"/>
+                                            </p:txEl>
+                                          </p:spTgt>
+                                        </p:tgtEl>
+                                        <p:attrNameLst>
+                                          <p:attrName>style.visibility</p:attrName>
+                                        </p:attrNameLst>
+                                      </p:cBhvr>
+                                      <p:to>
+                                        <p:strVal val="visible"/>
+                                      </p:to>
+                                    </p:set>
+                                    <p:anim calcmode="lin" valueType="num">
+                                      <p:cBhvr additive="base">
+                                        <p:cTn id="31" dur="500" fill="hold"/>
+                                        <p:tgtEl>
+                                          <p:spTgt spid="8">
+                                            <p:txEl>
+                                              <p:pRg st="4" end="4"/>
+                                            </p:txEl>
+                                          </p:spTgt>
+                                        </p:tgtEl>
+                                        <p:attrNameLst>
+                                          <p:attrName>ppt_x</p:attrName>
+                                        </p:attrNameLst>
+                                      </p:cBhvr>
+                                      <p:tavLst>
+                                        <p:tav tm="0">
+                                          <p:val>
+                                            <p:strVal val="#ppt_x"/>
+                                          </p:val>
+                                        </p:tav>
+                                        <p:tav tm="100000">
+                                          <p:val>
+                                            <p:strVal val="#ppt_x"/>
+                                          </p:val>
+                                        </p:tav>
+                                      </p:tavLst>
+                                    </p:anim>
+                                    <p:anim calcmode="lin" valueType="num">
+                                      <p:cBhvr additive="base">
+                                        <p:cTn id="32" dur="500" fill="hold"/>
+                                        <p:tgtEl>
+                                          <p:spTgt spid="8">
+                                            <p:txEl>
+                                              <p:pRg st="4" end="4"/>
                                             </p:txEl>
                                           </p:spTgt>
                                         </p:tgtEl>
@@ -16168,7 +16827,7 @@
                   </a:srgbClr>
                 </a:solidFill>
               </a:rPr>
-              <a:t> – A person, place, thing, event, concept, screen or report.</a:t>
+              <a:t> – An instance of a person, place, thing, event, concept, screen or report.</a:t>
             </a:r>
           </a:p>
           <a:p>
@@ -18641,16 +19300,16 @@
 <file path=customXml/itemProps3.xml><?xml version="1.0" encoding="utf-8"?>
 <ds:datastoreItem xmlns:ds="http://schemas.openxmlformats.org/officeDocument/2006/customXml" ds:itemID="{1B174DBE-1AD7-495B-B168-212A7EE723A6}">
   <ds:schemaRefs>
+    <ds:schemaRef ds:uri="http://schemas.openxmlformats.org/package/2006/metadata/core-properties"/>
+    <ds:schemaRef ds:uri="cab83b3b-4db3-4a13-8dd4-e60be6d87cf5"/>
     <ds:schemaRef ds:uri="c2e86655-d7ed-4420-bc92-1b9547829f54"/>
-    <ds:schemaRef ds:uri="http://schemas.microsoft.com/office/2006/metadata/properties"/>
-    <ds:schemaRef ds:uri="http://purl.org/dc/terms/"/>
     <ds:schemaRef ds:uri="http://purl.org/dc/elements/1.1/"/>
     <ds:schemaRef ds:uri="http://schemas.microsoft.com/office/2006/documentManagement/types"/>
-    <ds:schemaRef ds:uri="http://www.w3.org/XML/1998/namespace"/>
     <ds:schemaRef ds:uri="http://purl.org/dc/dcmitype/"/>
     <ds:schemaRef ds:uri="http://schemas.microsoft.com/office/infopath/2007/PartnerControls"/>
-    <ds:schemaRef ds:uri="http://schemas.openxmlformats.org/package/2006/metadata/core-properties"/>
-    <ds:schemaRef ds:uri="cab83b3b-4db3-4a13-8dd4-e60be6d87cf5"/>
+    <ds:schemaRef ds:uri="http://schemas.microsoft.com/office/2006/metadata/properties"/>
+    <ds:schemaRef ds:uri="http://www.w3.org/XML/1998/namespace"/>
+    <ds:schemaRef ds:uri="http://purl.org/dc/terms/"/>
   </ds:schemaRefs>
 </ds:datastoreItem>
 </file>